--- a/docker/04_Dockerfiles.pptx
+++ b/docker/04_Dockerfiles.pptx
@@ -11505,7 +11505,7 @@
           <a:p>
             <a:r>
               <a:rPr lang="en-US" dirty="0"/>
-              <a:t>Exercise #5  &amp; #6 – </a:t>
+              <a:t>Exercise #4  &amp; #5 – </a:t>
             </a:r>
             <a:r>
               <a:rPr lang="en-US" dirty="0" err="1"/>

--- a/docker/04_Dockerfiles.pptx
+++ b/docker/04_Dockerfiles.pptx
@@ -5,10 +5,10 @@
     <p:sldMasterId id="2147483733" r:id="rId1"/>
   </p:sldMasterIdLst>
   <p:notesMasterIdLst>
-    <p:notesMasterId r:id="rId14"/>
+    <p:notesMasterId r:id="rId18"/>
   </p:notesMasterIdLst>
   <p:handoutMasterIdLst>
-    <p:handoutMasterId r:id="rId15"/>
+    <p:handoutMasterId r:id="rId19"/>
   </p:handoutMasterIdLst>
   <p:sldIdLst>
     <p:sldId id="434" r:id="rId2"/>
@@ -20,9 +20,13 @@
     <p:sldId id="439" r:id="rId8"/>
     <p:sldId id="440" r:id="rId9"/>
     <p:sldId id="442" r:id="rId10"/>
-    <p:sldId id="465" r:id="rId11"/>
-    <p:sldId id="464" r:id="rId12"/>
-    <p:sldId id="265" r:id="rId13"/>
+    <p:sldId id="466" r:id="rId11"/>
+    <p:sldId id="467" r:id="rId12"/>
+    <p:sldId id="469" r:id="rId13"/>
+    <p:sldId id="470" r:id="rId14"/>
+    <p:sldId id="465" r:id="rId15"/>
+    <p:sldId id="464" r:id="rId16"/>
+    <p:sldId id="265" r:id="rId17"/>
   </p:sldIdLst>
   <p:sldSz cx="12195175" cy="6858000"/>
   <p:notesSz cx="6858000" cy="9144000"/>
@@ -570,6 +574,531 @@
           <a:bodyPr/>
           <a:lstStyle/>
           <a:p>
+            <a:r>
+              <a:rPr lang="en-US" dirty="0"/>
+              <a:t>Let’s have a look at the implications of the USER directive. </a:t>
+            </a:r>
+          </a:p>
+          <a:p>
+            <a:r>
+              <a:rPr lang="en-US" dirty="0"/>
+              <a:t>When a process within a container is running as user root, the process will be also run as user root on the host. This can open doors for some severe (security) issues as an attacker might try to break free from the container.</a:t>
+            </a:r>
+          </a:p>
+          <a:p>
+            <a:endParaRPr lang="en-US" dirty="0"/>
+          </a:p>
+          <a:p>
+            <a:r>
+              <a:rPr lang="en-US" dirty="0"/>
+              <a:t>What could happen? For example if the host’s file system is mounted into the container, touching or modifying files happens in the name of user root. Even if the user you used to start the container (docker run) is not root, you can now act as root user (privilege escalation) .</a:t>
+            </a:r>
+          </a:p>
+          <a:p>
+            <a:endParaRPr lang="en-US" dirty="0"/>
+          </a:p>
+        </p:txBody>
+      </p:sp>
+      <p:sp>
+        <p:nvSpPr>
+          <p:cNvPr id="4" name="Slide Number Placeholder 3"/>
+          <p:cNvSpPr>
+            <a:spLocks noGrp="1"/>
+          </p:cNvSpPr>
+          <p:nvPr>
+            <p:ph type="sldNum" sz="quarter" idx="5"/>
+          </p:nvPr>
+        </p:nvSpPr>
+        <p:spPr/>
+        <p:txBody>
+          <a:bodyPr/>
+          <a:lstStyle/>
+          <a:p>
+            <a:fld id="{7D8C2C35-2B8A-446E-BEC0-FD36716C29AC}" type="slidenum">
+              <a:rPr lang="de-DE" smtClean="0"/>
+              <a:pPr/>
+              <a:t>11</a:t>
+            </a:fld>
+            <a:endParaRPr lang="de-DE" dirty="0"/>
+          </a:p>
+        </p:txBody>
+      </p:sp>
+    </p:spTree>
+    <p:extLst>
+      <p:ext uri="{BB962C8B-B14F-4D97-AF65-F5344CB8AC3E}">
+        <p14:creationId xmlns:p14="http://schemas.microsoft.com/office/powerpoint/2010/main" val="614160148"/>
+      </p:ext>
+    </p:extLst>
+  </p:cSld>
+  <p:clrMapOvr>
+    <a:masterClrMapping/>
+  </p:clrMapOvr>
+</p:notes>
+</file>
+
+<file path=ppt/notesSlides/notesSlide2.xml><?xml version="1.0" encoding="utf-8"?>
+<p:notes xmlns:a="http://schemas.openxmlformats.org/drawingml/2006/main" xmlns:r="http://schemas.openxmlformats.org/officeDocument/2006/relationships" xmlns:p="http://schemas.openxmlformats.org/presentationml/2006/main">
+  <p:cSld>
+    <p:spTree>
+      <p:nvGrpSpPr>
+        <p:cNvPr id="1" name=""/>
+        <p:cNvGrpSpPr/>
+        <p:nvPr/>
+      </p:nvGrpSpPr>
+      <p:grpSpPr>
+        <a:xfrm>
+          <a:off x="0" y="0"/>
+          <a:ext cx="0" cy="0"/>
+          <a:chOff x="0" y="0"/>
+          <a:chExt cx="0" cy="0"/>
+        </a:xfrm>
+      </p:grpSpPr>
+      <p:sp>
+        <p:nvSpPr>
+          <p:cNvPr id="2" name="Slide Image Placeholder 1"/>
+          <p:cNvSpPr>
+            <a:spLocks noGrp="1" noRot="1" noChangeAspect="1"/>
+          </p:cNvSpPr>
+          <p:nvPr>
+            <p:ph type="sldImg"/>
+          </p:nvPr>
+        </p:nvSpPr>
+        <p:spPr/>
+      </p:sp>
+      <p:sp>
+        <p:nvSpPr>
+          <p:cNvPr id="3" name="Notes Placeholder 2"/>
+          <p:cNvSpPr>
+            <a:spLocks noGrp="1"/>
+          </p:cNvSpPr>
+          <p:nvPr>
+            <p:ph type="body" idx="1"/>
+          </p:nvPr>
+        </p:nvSpPr>
+        <p:spPr/>
+        <p:txBody>
+          <a:bodyPr/>
+          <a:lstStyle/>
+          <a:p>
+            <a:r>
+              <a:rPr lang="en-US" dirty="0"/>
+              <a:t>When building images, it is recommended to create a separate user and let the CMD/ENTRYPOINT command run with this specific user.</a:t>
+            </a:r>
+          </a:p>
+        </p:txBody>
+      </p:sp>
+      <p:sp>
+        <p:nvSpPr>
+          <p:cNvPr id="4" name="Slide Number Placeholder 3"/>
+          <p:cNvSpPr>
+            <a:spLocks noGrp="1"/>
+          </p:cNvSpPr>
+          <p:nvPr>
+            <p:ph type="sldNum" sz="quarter" idx="5"/>
+          </p:nvPr>
+        </p:nvSpPr>
+        <p:spPr/>
+        <p:txBody>
+          <a:bodyPr/>
+          <a:lstStyle/>
+          <a:p>
+            <a:fld id="{7D8C2C35-2B8A-446E-BEC0-FD36716C29AC}" type="slidenum">
+              <a:rPr lang="de-DE" smtClean="0"/>
+              <a:pPr/>
+              <a:t>12</a:t>
+            </a:fld>
+            <a:endParaRPr lang="de-DE" dirty="0"/>
+          </a:p>
+        </p:txBody>
+      </p:sp>
+    </p:spTree>
+    <p:extLst>
+      <p:ext uri="{BB962C8B-B14F-4D97-AF65-F5344CB8AC3E}">
+        <p14:creationId xmlns:p14="http://schemas.microsoft.com/office/powerpoint/2010/main" val="2260135540"/>
+      </p:ext>
+    </p:extLst>
+  </p:cSld>
+  <p:clrMapOvr>
+    <a:masterClrMapping/>
+  </p:clrMapOvr>
+</p:notes>
+</file>
+
+<file path=ppt/notesSlides/notesSlide3.xml><?xml version="1.0" encoding="utf-8"?>
+<p:notes xmlns:a="http://schemas.openxmlformats.org/drawingml/2006/main" xmlns:r="http://schemas.openxmlformats.org/officeDocument/2006/relationships" xmlns:p="http://schemas.openxmlformats.org/presentationml/2006/main">
+  <p:cSld>
+    <p:spTree>
+      <p:nvGrpSpPr>
+        <p:cNvPr id="1" name=""/>
+        <p:cNvGrpSpPr/>
+        <p:nvPr/>
+      </p:nvGrpSpPr>
+      <p:grpSpPr>
+        <a:xfrm>
+          <a:off x="0" y="0"/>
+          <a:ext cx="0" cy="0"/>
+          <a:chOff x="0" y="0"/>
+          <a:chExt cx="0" cy="0"/>
+        </a:xfrm>
+      </p:grpSpPr>
+      <p:sp>
+        <p:nvSpPr>
+          <p:cNvPr id="2" name="Slide Image Placeholder 1"/>
+          <p:cNvSpPr>
+            <a:spLocks noGrp="1" noRot="1" noChangeAspect="1"/>
+          </p:cNvSpPr>
+          <p:nvPr>
+            <p:ph type="sldImg"/>
+          </p:nvPr>
+        </p:nvSpPr>
+        <p:spPr/>
+      </p:sp>
+      <p:sp>
+        <p:nvSpPr>
+          <p:cNvPr id="3" name="Notes Placeholder 2"/>
+          <p:cNvSpPr>
+            <a:spLocks noGrp="1"/>
+          </p:cNvSpPr>
+          <p:nvPr>
+            <p:ph type="body" idx="1"/>
+          </p:nvPr>
+        </p:nvSpPr>
+        <p:spPr/>
+        <p:txBody>
+          <a:bodyPr/>
+          <a:lstStyle/>
+          <a:p>
+            <a:r>
+              <a:rPr lang="en-US" dirty="0"/>
+              <a:t>Another way to deal with this topic is the usage of the user namespace. It allows to define mappings (check /</a:t>
+            </a:r>
+            <a:r>
+              <a:rPr lang="en-US" dirty="0" err="1"/>
+              <a:t>etc</a:t>
+            </a:r>
+            <a:r>
+              <a:rPr lang="en-US" dirty="0"/>
+              <a:t>/</a:t>
+            </a:r>
+            <a:r>
+              <a:rPr lang="en-US" dirty="0" err="1"/>
+              <a:t>subuid</a:t>
+            </a:r>
+            <a:r>
+              <a:rPr lang="en-US" dirty="0"/>
+              <a:t> file) so that your user appears to be root from within the container but not from the outside.</a:t>
+            </a:r>
+          </a:p>
+          <a:p>
+            <a:r>
+              <a:rPr lang="en-US" dirty="0"/>
+              <a:t>Right now the docker daemon supports the usage of the user namespace but it is not switched on by default. </a:t>
+            </a:r>
+          </a:p>
+          <a:p>
+            <a:r>
+              <a:rPr lang="en-US" dirty="0"/>
+              <a:t>To enable this feature:</a:t>
+            </a:r>
+          </a:p>
+          <a:p>
+            <a:pPr marL="285750" indent="-285750">
+              <a:buFontTx/>
+              <a:buChar char="-"/>
+            </a:pPr>
+            <a:r>
+              <a:rPr lang="en-US" dirty="0"/>
+              <a:t>Add "</a:t>
+            </a:r>
+            <a:r>
+              <a:rPr lang="en-US" dirty="0" err="1"/>
+              <a:t>userns</a:t>
+            </a:r>
+            <a:r>
+              <a:rPr lang="en-US" dirty="0"/>
+              <a:t>-remap": "default“ to /</a:t>
+            </a:r>
+            <a:r>
+              <a:rPr lang="en-US" dirty="0" err="1"/>
+              <a:t>etc</a:t>
+            </a:r>
+            <a:r>
+              <a:rPr lang="en-US" dirty="0"/>
+              <a:t>/docker/</a:t>
+            </a:r>
+            <a:r>
+              <a:rPr lang="en-US" dirty="0" err="1"/>
+              <a:t>daemon.json</a:t>
+            </a:r>
+            <a:r>
+              <a:rPr lang="en-US" dirty="0"/>
+              <a:t> (fit it into the existing json structure).</a:t>
+            </a:r>
+          </a:p>
+          <a:p>
+            <a:pPr marL="285750" indent="-285750">
+              <a:buFontTx/>
+              <a:buChar char="-"/>
+            </a:pPr>
+            <a:r>
+              <a:rPr lang="en-US" dirty="0"/>
+              <a:t>Reload the config &amp; restart docker: </a:t>
+            </a:r>
+          </a:p>
+          <a:p>
+            <a:pPr marL="465750" lvl="1" indent="-285750">
+              <a:buFontTx/>
+              <a:buChar char="-"/>
+            </a:pPr>
+            <a:r>
+              <a:rPr lang="en-US" dirty="0" err="1"/>
+              <a:t>systemctl</a:t>
+            </a:r>
+            <a:r>
+              <a:rPr lang="en-US" dirty="0"/>
+              <a:t> daemon-reload</a:t>
+            </a:r>
+          </a:p>
+          <a:p>
+            <a:pPr marL="465750" lvl="1" indent="-285750">
+              <a:buFontTx/>
+              <a:buChar char="-"/>
+            </a:pPr>
+            <a:r>
+              <a:rPr lang="en-US" dirty="0" err="1"/>
+              <a:t>systemctl</a:t>
+            </a:r>
+            <a:r>
+              <a:rPr lang="en-US" dirty="0"/>
+              <a:t> restart docker</a:t>
+            </a:r>
+          </a:p>
+          <a:p>
+            <a:pPr marL="285750" lvl="0" indent="-285750">
+              <a:buFontTx/>
+              <a:buChar char="-"/>
+            </a:pPr>
+            <a:r>
+              <a:rPr lang="en-US" dirty="0"/>
+              <a:t>Check /</a:t>
+            </a:r>
+            <a:r>
+              <a:rPr lang="en-US" dirty="0" err="1"/>
+              <a:t>etc</a:t>
+            </a:r>
+            <a:r>
+              <a:rPr lang="en-US" dirty="0"/>
+              <a:t>/</a:t>
+            </a:r>
+            <a:r>
+              <a:rPr lang="en-US" dirty="0" err="1"/>
+              <a:t>subuid</a:t>
+            </a:r>
+            <a:r>
+              <a:rPr lang="en-US" dirty="0"/>
+              <a:t> -&gt; it should have a docker remap user entry now.</a:t>
+            </a:r>
+          </a:p>
+          <a:p>
+            <a:pPr marL="285750" lvl="0" indent="-285750">
+              <a:buFontTx/>
+              <a:buChar char="-"/>
+            </a:pPr>
+            <a:endParaRPr lang="en-US" dirty="0"/>
+          </a:p>
+          <a:p>
+            <a:pPr marL="0" lvl="0" indent="0">
+              <a:buFontTx/>
+              <a:buNone/>
+            </a:pPr>
+            <a:r>
+              <a:rPr lang="en-US" b="1" dirty="0"/>
+              <a:t>Important: this feature is currently not compatible with Kubernetes!</a:t>
+            </a:r>
+            <a:endParaRPr lang="en-US" b="0" dirty="0"/>
+          </a:p>
+          <a:p>
+            <a:pPr marL="0" lvl="0" indent="0">
+              <a:buFontTx/>
+              <a:buNone/>
+            </a:pPr>
+            <a:r>
+              <a:rPr lang="en-US" b="0" dirty="0"/>
+              <a:t>Details can be found in these discussions:</a:t>
+            </a:r>
+          </a:p>
+          <a:p>
+            <a:pPr marL="285750" lvl="0" indent="-285750">
+              <a:buFontTx/>
+              <a:buChar char="-"/>
+            </a:pPr>
+            <a:r>
+              <a:rPr lang="en-US" sz="1400" b="0" i="0" u="none" strike="noStrike" kern="1200" dirty="0">
+                <a:solidFill>
+                  <a:schemeClr val="tx1"/>
+                </a:solidFill>
+                <a:effectLst/>
+                <a:latin typeface="+mn-lt"/>
+                <a:ea typeface="+mn-ea"/>
+                <a:cs typeface="+mn-cs"/>
+                <a:hlinkClick r:id="rId3"/>
+              </a:rPr>
+              <a:t>https://github.com/scality/metalk8s/issues/484</a:t>
+            </a:r>
+            <a:r>
+              <a:rPr lang="en-US" sz="1400" b="0" i="0" kern="1200" dirty="0">
+                <a:solidFill>
+                  <a:schemeClr val="tx1"/>
+                </a:solidFill>
+                <a:effectLst/>
+                <a:latin typeface="+mn-lt"/>
+                <a:ea typeface="+mn-ea"/>
+                <a:cs typeface="+mn-cs"/>
+              </a:rPr>
+              <a:t> </a:t>
+            </a:r>
+          </a:p>
+          <a:p>
+            <a:pPr marL="285750" lvl="0" indent="-285750">
+              <a:buFontTx/>
+              <a:buChar char="-"/>
+            </a:pPr>
+            <a:r>
+              <a:rPr lang="en-US" sz="1400" b="0" i="0" u="none" strike="noStrike" kern="1200" dirty="0">
+                <a:solidFill>
+                  <a:schemeClr val="tx1"/>
+                </a:solidFill>
+                <a:effectLst/>
+                <a:latin typeface="+mn-lt"/>
+                <a:ea typeface="+mn-ea"/>
+                <a:cs typeface="+mn-cs"/>
+                <a:hlinkClick r:id="rId4"/>
+              </a:rPr>
+              <a:t>https://github.com/kubernetes-sigs/kubespray/issues/962</a:t>
+            </a:r>
+            <a:r>
+              <a:rPr lang="en-US" sz="1400" b="0" i="0" kern="1200" dirty="0">
+                <a:solidFill>
+                  <a:schemeClr val="tx1"/>
+                </a:solidFill>
+                <a:effectLst/>
+                <a:latin typeface="+mn-lt"/>
+                <a:ea typeface="+mn-ea"/>
+                <a:cs typeface="+mn-cs"/>
+              </a:rPr>
+              <a:t> </a:t>
+            </a:r>
+          </a:p>
+          <a:p>
+            <a:pPr marL="285750" lvl="0" indent="-285750">
+              <a:buFontTx/>
+              <a:buChar char="-"/>
+            </a:pPr>
+            <a:r>
+              <a:rPr lang="en-US" sz="1400" b="0" i="0" u="none" strike="noStrike" kern="1200" dirty="0">
+                <a:solidFill>
+                  <a:schemeClr val="tx1"/>
+                </a:solidFill>
+                <a:effectLst/>
+                <a:latin typeface="+mn-lt"/>
+                <a:ea typeface="+mn-ea"/>
+                <a:cs typeface="+mn-cs"/>
+                <a:hlinkClick r:id="rId5"/>
+              </a:rPr>
+              <a:t>https://github.com/kubernetes/kubernetes/issues/59152</a:t>
+            </a:r>
+            <a:endParaRPr lang="en-US" b="1" dirty="0"/>
+          </a:p>
+          <a:p>
+            <a:pPr marL="285750" indent="-285750">
+              <a:buFontTx/>
+              <a:buChar char="-"/>
+            </a:pPr>
+            <a:endParaRPr lang="en-US" dirty="0"/>
+          </a:p>
+        </p:txBody>
+      </p:sp>
+      <p:sp>
+        <p:nvSpPr>
+          <p:cNvPr id="4" name="Slide Number Placeholder 3"/>
+          <p:cNvSpPr>
+            <a:spLocks noGrp="1"/>
+          </p:cNvSpPr>
+          <p:nvPr>
+            <p:ph type="sldNum" sz="quarter" idx="5"/>
+          </p:nvPr>
+        </p:nvSpPr>
+        <p:spPr/>
+        <p:txBody>
+          <a:bodyPr/>
+          <a:lstStyle/>
+          <a:p>
+            <a:fld id="{7D8C2C35-2B8A-446E-BEC0-FD36716C29AC}" type="slidenum">
+              <a:rPr lang="de-DE" smtClean="0"/>
+              <a:pPr/>
+              <a:t>13</a:t>
+            </a:fld>
+            <a:endParaRPr lang="de-DE" dirty="0"/>
+          </a:p>
+        </p:txBody>
+      </p:sp>
+    </p:spTree>
+    <p:extLst>
+      <p:ext uri="{BB962C8B-B14F-4D97-AF65-F5344CB8AC3E}">
+        <p14:creationId xmlns:p14="http://schemas.microsoft.com/office/powerpoint/2010/main" val="3796823818"/>
+      </p:ext>
+    </p:extLst>
+  </p:cSld>
+  <p:clrMapOvr>
+    <a:masterClrMapping/>
+  </p:clrMapOvr>
+</p:notes>
+</file>
+
+<file path=ppt/notesSlides/notesSlide4.xml><?xml version="1.0" encoding="utf-8"?>
+<p:notes xmlns:a="http://schemas.openxmlformats.org/drawingml/2006/main" xmlns:r="http://schemas.openxmlformats.org/officeDocument/2006/relationships" xmlns:p="http://schemas.openxmlformats.org/presentationml/2006/main">
+  <p:cSld>
+    <p:spTree>
+      <p:nvGrpSpPr>
+        <p:cNvPr id="1" name=""/>
+        <p:cNvGrpSpPr/>
+        <p:nvPr/>
+      </p:nvGrpSpPr>
+      <p:grpSpPr>
+        <a:xfrm>
+          <a:off x="0" y="0"/>
+          <a:ext cx="0" cy="0"/>
+          <a:chOff x="0" y="0"/>
+          <a:chExt cx="0" cy="0"/>
+        </a:xfrm>
+      </p:grpSpPr>
+      <p:sp>
+        <p:nvSpPr>
+          <p:cNvPr id="2" name="Slide Image Placeholder 1"/>
+          <p:cNvSpPr>
+            <a:spLocks noGrp="1" noRot="1" noChangeAspect="1"/>
+          </p:cNvSpPr>
+          <p:nvPr>
+            <p:ph type="sldImg"/>
+          </p:nvPr>
+        </p:nvSpPr>
+        <p:spPr/>
+      </p:sp>
+      <p:sp>
+        <p:nvSpPr>
+          <p:cNvPr id="3" name="Notes Placeholder 2"/>
+          <p:cNvSpPr>
+            <a:spLocks noGrp="1"/>
+          </p:cNvSpPr>
+          <p:nvPr>
+            <p:ph type="body" idx="1"/>
+          </p:nvPr>
+        </p:nvSpPr>
+        <p:spPr/>
+        <p:txBody>
+          <a:bodyPr/>
+          <a:lstStyle/>
+          <a:p>
             <a:endParaRPr lang="en-US" dirty="0"/>
           </a:p>
         </p:txBody>
@@ -592,7 +1121,7 @@
             <a:fld id="{7D8C2C35-2B8A-446E-BEC0-FD36716C29AC}" type="slidenum">
               <a:rPr lang="de-DE" smtClean="0"/>
               <a:pPr/>
-              <a:t>11</a:t>
+              <a:t>15</a:t>
             </a:fld>
             <a:endParaRPr lang="de-DE" dirty="0"/>
           </a:p>
@@ -611,7 +1140,7 @@
 </p:notes>
 </file>
 
-<file path=ppt/notesSlides/notesSlide2.xml><?xml version="1.0" encoding="utf-8"?>
+<file path=ppt/notesSlides/notesSlide5.xml><?xml version="1.0" encoding="utf-8"?>
 <p:notes xmlns:a="http://schemas.openxmlformats.org/drawingml/2006/main" xmlns:r="http://schemas.openxmlformats.org/officeDocument/2006/relationships" xmlns:p="http://schemas.openxmlformats.org/presentationml/2006/main">
   <p:cSld>
     <p:spTree>
@@ -646,7 +1175,7 @@
             <a:fld id="{7D8C2C35-2B8A-446E-BEC0-FD36716C29AC}" type="slidenum">
               <a:rPr lang="de-DE" smtClean="0"/>
               <a:pPr/>
-              <a:t>12</a:t>
+              <a:t>16</a:t>
             </a:fld>
             <a:endParaRPr lang="de-DE" dirty="0"/>
           </a:p>
@@ -8266,6 +8795,2593 @@
       </p:grpSpPr>
       <p:sp>
         <p:nvSpPr>
+          <p:cNvPr id="2" name="Text Placeholder 1"/>
+          <p:cNvSpPr>
+            <a:spLocks noGrp="1"/>
+          </p:cNvSpPr>
+          <p:nvPr>
+            <p:ph type="body" sz="quarter" idx="10"/>
+          </p:nvPr>
+        </p:nvSpPr>
+        <p:spPr>
+          <a:xfrm>
+            <a:off x="504000" y="1506788"/>
+            <a:ext cx="5328000" cy="2074611"/>
+          </a:xfrm>
+        </p:spPr>
+        <p:txBody>
+          <a:bodyPr lIns="36000" tIns="36000" rIns="36000" bIns="36000"/>
+          <a:lstStyle/>
+          <a:p>
+            <a:r>
+              <a:rPr lang="en-US" b="1" dirty="0"/>
+              <a:t>USER</a:t>
+            </a:r>
+          </a:p>
+          <a:p>
+            <a:pPr lvl="1"/>
+            <a:r>
+              <a:rPr lang="en-US" dirty="0"/>
+              <a:t>Set the active user &amp; group for following commands</a:t>
+            </a:r>
+          </a:p>
+          <a:p>
+            <a:pPr lvl="1"/>
+            <a:r>
+              <a:rPr lang="en-US" dirty="0"/>
+              <a:t>Specified user is valid for RUN as well as CMD &amp; </a:t>
+            </a:r>
+            <a:r>
+              <a:rPr lang="en-US" dirty="0" err="1"/>
+              <a:t>Entrypoint</a:t>
+            </a:r>
+            <a:endParaRPr lang="en-US" dirty="0"/>
+          </a:p>
+          <a:p>
+            <a:pPr lvl="1"/>
+            <a:r>
+              <a:rPr lang="en-US" dirty="0"/>
+              <a:t>Prerequisite: the target user / group has to exist</a:t>
+            </a:r>
+          </a:p>
+        </p:txBody>
+      </p:sp>
+      <p:sp>
+        <p:nvSpPr>
+          <p:cNvPr id="4" name="Title 3"/>
+          <p:cNvSpPr>
+            <a:spLocks noGrp="1"/>
+          </p:cNvSpPr>
+          <p:nvPr>
+            <p:ph type="title"/>
+          </p:nvPr>
+        </p:nvSpPr>
+        <p:spPr/>
+        <p:txBody>
+          <a:bodyPr/>
+          <a:lstStyle/>
+          <a:p>
+            <a:r>
+              <a:rPr lang="en-US" dirty="0"/>
+              <a:t>Dockerfile directives (6)</a:t>
+            </a:r>
+          </a:p>
+        </p:txBody>
+      </p:sp>
+      <p:sp>
+        <p:nvSpPr>
+          <p:cNvPr id="7" name="Text Placeholder 1"/>
+          <p:cNvSpPr txBox="1">
+            <a:spLocks/>
+          </p:cNvSpPr>
+          <p:nvPr/>
+        </p:nvSpPr>
+        <p:spPr bwMode="gray">
+          <a:xfrm>
+            <a:off x="504000" y="3735000"/>
+            <a:ext cx="5328000" cy="2308749"/>
+          </a:xfrm>
+          <a:prstGeom prst="rect">
+            <a:avLst/>
+          </a:prstGeom>
+          <a:solidFill>
+            <a:srgbClr val="FFF8E7"/>
+          </a:solidFill>
+        </p:spPr>
+        <p:txBody>
+          <a:bodyPr vert="horz" lIns="36000" tIns="36000" rIns="36000" bIns="36000" rtlCol="0">
+            <a:noAutofit/>
+          </a:bodyPr>
+          <a:lstStyle>
+            <a:lvl1pPr marL="0" indent="0" algn="l" defTabSz="1088558" rtl="0" eaLnBrk="1" latinLnBrk="0" hangingPunct="1">
+              <a:spcBef>
+                <a:spcPts val="1800"/>
+              </a:spcBef>
+              <a:buClr>
+                <a:schemeClr val="accent1"/>
+              </a:buClr>
+              <a:buSzPct val="80000"/>
+              <a:buFontTx/>
+              <a:buNone/>
+              <a:defRPr sz="2000" b="0" kern="1200">
+                <a:solidFill>
+                  <a:schemeClr val="tx1"/>
+                </a:solidFill>
+                <a:latin typeface="+mn-lt"/>
+                <a:ea typeface="+mn-ea"/>
+                <a:cs typeface="+mn-cs"/>
+              </a:defRPr>
+            </a:lvl1pPr>
+            <a:lvl2pPr marL="179964" indent="-179964" algn="l" defTabSz="1088558" rtl="0" eaLnBrk="1" latinLnBrk="0" hangingPunct="1">
+              <a:spcBef>
+                <a:spcPts val="600"/>
+              </a:spcBef>
+              <a:buClr>
+                <a:schemeClr val="accent1"/>
+              </a:buClr>
+              <a:buSzPct val="100000"/>
+              <a:buFont typeface="Wingdings" pitchFamily="2" charset="2"/>
+              <a:buChar char="§"/>
+              <a:defRPr sz="1800" kern="1200">
+                <a:solidFill>
+                  <a:schemeClr val="tx1"/>
+                </a:solidFill>
+                <a:latin typeface="+mn-lt"/>
+                <a:ea typeface="+mn-ea"/>
+                <a:cs typeface="+mn-cs"/>
+              </a:defRPr>
+            </a:lvl2pPr>
+            <a:lvl3pPr marL="358775" indent="-179388" algn="l" defTabSz="1088558" rtl="0" eaLnBrk="1" latinLnBrk="0" hangingPunct="1">
+              <a:spcBef>
+                <a:spcPts val="300"/>
+              </a:spcBef>
+              <a:buClr>
+                <a:schemeClr val="tx1"/>
+              </a:buClr>
+              <a:buSzPct val="100000"/>
+              <a:buFont typeface="Arial" panose="020B0604020202020204" pitchFamily="34" charset="0"/>
+              <a:buChar char="–"/>
+              <a:defRPr lang="en-US" sz="1800" kern="1200" noProof="0" dirty="0" smtClean="0">
+                <a:solidFill>
+                  <a:schemeClr val="tx1"/>
+                </a:solidFill>
+                <a:latin typeface="+mn-lt"/>
+                <a:ea typeface="+mn-ea"/>
+                <a:cs typeface="+mn-cs"/>
+              </a:defRPr>
+            </a:lvl3pPr>
+            <a:lvl4pPr marL="539892" indent="-179964" algn="l" defTabSz="1088558" rtl="0" eaLnBrk="1" latinLnBrk="0" hangingPunct="1">
+              <a:spcBef>
+                <a:spcPts val="300"/>
+              </a:spcBef>
+              <a:buClr>
+                <a:schemeClr val="tx1"/>
+              </a:buClr>
+              <a:buSzPct val="120000"/>
+              <a:buFont typeface="Arial" pitchFamily="34" charset="0"/>
+              <a:buChar char="▫"/>
+              <a:defRPr sz="1600" kern="1200">
+                <a:solidFill>
+                  <a:schemeClr val="tx1"/>
+                </a:solidFill>
+                <a:latin typeface="+mn-lt"/>
+                <a:ea typeface="+mn-ea"/>
+                <a:cs typeface="+mn-cs"/>
+              </a:defRPr>
+            </a:lvl4pPr>
+            <a:lvl5pPr marL="719856" indent="-179964" algn="l" defTabSz="1088558" rtl="0" eaLnBrk="1" latinLnBrk="0" hangingPunct="1">
+              <a:spcBef>
+                <a:spcPts val="100"/>
+              </a:spcBef>
+              <a:buClr>
+                <a:schemeClr val="tx1"/>
+              </a:buClr>
+              <a:buSzPct val="100000"/>
+              <a:buFont typeface="Symbol" panose="05050102010706020507" pitchFamily="18" charset="2"/>
+              <a:buChar char="-"/>
+              <a:defRPr sz="1400" kern="1200" baseline="0">
+                <a:solidFill>
+                  <a:schemeClr val="tx1"/>
+                </a:solidFill>
+                <a:latin typeface="+mn-lt"/>
+                <a:ea typeface="+mn-ea"/>
+                <a:cs typeface="+mn-cs"/>
+              </a:defRPr>
+            </a:lvl5pPr>
+            <a:lvl6pPr marL="2993535" indent="-272140" algn="l" defTabSz="1088558" rtl="0" eaLnBrk="1" latinLnBrk="0" hangingPunct="1">
+              <a:spcBef>
+                <a:spcPct val="20000"/>
+              </a:spcBef>
+              <a:buFont typeface="Arial" pitchFamily="34" charset="0"/>
+              <a:buChar char="•"/>
+              <a:defRPr sz="2400" kern="1200">
+                <a:solidFill>
+                  <a:schemeClr val="tx1"/>
+                </a:solidFill>
+                <a:latin typeface="+mn-lt"/>
+                <a:ea typeface="+mn-ea"/>
+                <a:cs typeface="+mn-cs"/>
+              </a:defRPr>
+            </a:lvl6pPr>
+            <a:lvl7pPr marL="3537814" indent="-272140" algn="l" defTabSz="1088558" rtl="0" eaLnBrk="1" latinLnBrk="0" hangingPunct="1">
+              <a:spcBef>
+                <a:spcPct val="20000"/>
+              </a:spcBef>
+              <a:buFont typeface="Arial" pitchFamily="34" charset="0"/>
+              <a:buChar char="•"/>
+              <a:defRPr sz="2400" kern="1200">
+                <a:solidFill>
+                  <a:schemeClr val="tx1"/>
+                </a:solidFill>
+                <a:latin typeface="+mn-lt"/>
+                <a:ea typeface="+mn-ea"/>
+                <a:cs typeface="+mn-cs"/>
+              </a:defRPr>
+            </a:lvl7pPr>
+            <a:lvl8pPr marL="4082093" indent="-272140" algn="l" defTabSz="1088558" rtl="0" eaLnBrk="1" latinLnBrk="0" hangingPunct="1">
+              <a:spcBef>
+                <a:spcPct val="20000"/>
+              </a:spcBef>
+              <a:buFont typeface="Arial" pitchFamily="34" charset="0"/>
+              <a:buChar char="•"/>
+              <a:defRPr sz="2400" kern="1200">
+                <a:solidFill>
+                  <a:schemeClr val="tx1"/>
+                </a:solidFill>
+                <a:latin typeface="+mn-lt"/>
+                <a:ea typeface="+mn-ea"/>
+                <a:cs typeface="+mn-cs"/>
+              </a:defRPr>
+            </a:lvl8pPr>
+            <a:lvl9pPr marL="4626373" indent="-272140" algn="l" defTabSz="1088558" rtl="0" eaLnBrk="1" latinLnBrk="0" hangingPunct="1">
+              <a:spcBef>
+                <a:spcPct val="20000"/>
+              </a:spcBef>
+              <a:buFont typeface="Arial" pitchFamily="34" charset="0"/>
+              <a:buChar char="•"/>
+              <a:defRPr sz="2400" kern="1200">
+                <a:solidFill>
+                  <a:schemeClr val="tx1"/>
+                </a:solidFill>
+                <a:latin typeface="+mn-lt"/>
+                <a:ea typeface="+mn-ea"/>
+                <a:cs typeface="+mn-cs"/>
+              </a:defRPr>
+            </a:lvl9pPr>
+          </a:lstStyle>
+          <a:p>
+            <a:pPr marL="0" lvl="1" indent="0">
+              <a:buFont typeface="Wingdings" pitchFamily="2" charset="2"/>
+              <a:buNone/>
+            </a:pPr>
+            <a:r>
+              <a:rPr lang="en-US" sz="1400" b="1" dirty="0"/>
+              <a:t>Examples:</a:t>
+            </a:r>
+          </a:p>
+          <a:p>
+            <a:pPr lvl="1"/>
+            <a:r>
+              <a:rPr lang="en-US" sz="1400" b="1" dirty="0">
+                <a:latin typeface="Courier New" panose="02070309020205020404" pitchFamily="49" charset="0"/>
+                <a:cs typeface="Courier New" panose="02070309020205020404" pitchFamily="49" charset="0"/>
+              </a:rPr>
+              <a:t>RUN </a:t>
+            </a:r>
+            <a:r>
+              <a:rPr lang="en-US" sz="1400" b="1" dirty="0" err="1">
+                <a:latin typeface="Courier New" panose="02070309020205020404" pitchFamily="49" charset="0"/>
+                <a:cs typeface="Courier New" panose="02070309020205020404" pitchFamily="49" charset="0"/>
+              </a:rPr>
+              <a:t>adduser</a:t>
+            </a:r>
+            <a:r>
+              <a:rPr lang="en-US" sz="1400" b="1" dirty="0">
+                <a:latin typeface="Courier New" panose="02070309020205020404" pitchFamily="49" charset="0"/>
+                <a:cs typeface="Courier New" panose="02070309020205020404" pitchFamily="49" charset="0"/>
+              </a:rPr>
+              <a:t> -D -s /</a:t>
+            </a:r>
+            <a:r>
+              <a:rPr lang="en-US" sz="1400" b="1" dirty="0" err="1">
+                <a:latin typeface="Courier New" panose="02070309020205020404" pitchFamily="49" charset="0"/>
+                <a:cs typeface="Courier New" panose="02070309020205020404" pitchFamily="49" charset="0"/>
+              </a:rPr>
+              <a:t>sbin</a:t>
+            </a:r>
+            <a:r>
+              <a:rPr lang="en-US" sz="1400" b="1" dirty="0">
+                <a:latin typeface="Courier New" panose="02070309020205020404" pitchFamily="49" charset="0"/>
+                <a:cs typeface="Courier New" panose="02070309020205020404" pitchFamily="49" charset="0"/>
+              </a:rPr>
+              <a:t>/</a:t>
+            </a:r>
+            <a:r>
+              <a:rPr lang="en-US" sz="1400" b="1" dirty="0" err="1">
+                <a:latin typeface="Courier New" panose="02070309020205020404" pitchFamily="49" charset="0"/>
+                <a:cs typeface="Courier New" panose="02070309020205020404" pitchFamily="49" charset="0"/>
+              </a:rPr>
+              <a:t>nologin</a:t>
+            </a:r>
+            <a:r>
+              <a:rPr lang="en-US" sz="1400" b="1" dirty="0">
+                <a:latin typeface="Courier New" panose="02070309020205020404" pitchFamily="49" charset="0"/>
+                <a:cs typeface="Courier New" panose="02070309020205020404" pitchFamily="49" charset="0"/>
+              </a:rPr>
+              <a:t> </a:t>
+            </a:r>
+            <a:r>
+              <a:rPr lang="en-US" sz="1400" b="1" dirty="0" err="1">
+                <a:latin typeface="Courier New" panose="02070309020205020404" pitchFamily="49" charset="0"/>
+                <a:cs typeface="Courier New" panose="02070309020205020404" pitchFamily="49" charset="0"/>
+              </a:rPr>
+              <a:t>nginx</a:t>
+            </a:r>
+            <a:endParaRPr lang="en-US" sz="1400" b="1" dirty="0">
+              <a:latin typeface="Courier New" panose="02070309020205020404" pitchFamily="49" charset="0"/>
+              <a:cs typeface="Courier New" panose="02070309020205020404" pitchFamily="49" charset="0"/>
+            </a:endParaRPr>
+          </a:p>
+          <a:p>
+            <a:pPr lvl="2"/>
+            <a:r>
+              <a:rPr lang="en-US" sz="1400" dirty="0"/>
+              <a:t>will create a new user with name “</a:t>
+            </a:r>
+            <a:r>
+              <a:rPr lang="en-US" sz="1400" dirty="0" err="1"/>
+              <a:t>nginx</a:t>
+            </a:r>
+            <a:r>
+              <a:rPr lang="en-US" sz="1400" dirty="0"/>
+              <a:t>”</a:t>
+            </a:r>
+          </a:p>
+          <a:p>
+            <a:pPr lvl="1"/>
+            <a:r>
+              <a:rPr lang="en-US" sz="1400" b="1" dirty="0">
+                <a:latin typeface="Courier New" panose="02070309020205020404" pitchFamily="49" charset="0"/>
+                <a:cs typeface="Courier New" panose="02070309020205020404" pitchFamily="49" charset="0"/>
+              </a:rPr>
+              <a:t>USER </a:t>
+            </a:r>
+            <a:r>
+              <a:rPr lang="en-US" sz="1400" b="1" dirty="0" err="1">
+                <a:latin typeface="Courier New" panose="02070309020205020404" pitchFamily="49" charset="0"/>
+                <a:cs typeface="Courier New" panose="02070309020205020404" pitchFamily="49" charset="0"/>
+              </a:rPr>
+              <a:t>nginx</a:t>
+            </a:r>
+            <a:endParaRPr lang="en-US" sz="1400" b="1" dirty="0">
+              <a:latin typeface="Courier New" panose="02070309020205020404" pitchFamily="49" charset="0"/>
+              <a:cs typeface="Courier New" panose="02070309020205020404" pitchFamily="49" charset="0"/>
+            </a:endParaRPr>
+          </a:p>
+          <a:p>
+            <a:pPr lvl="2"/>
+            <a:r>
+              <a:rPr lang="en-US" sz="1400" dirty="0"/>
+              <a:t>will switch from current user to “</a:t>
+            </a:r>
+            <a:r>
+              <a:rPr lang="en-US" sz="1400" dirty="0" err="1"/>
+              <a:t>nginx</a:t>
+            </a:r>
+            <a:r>
+              <a:rPr lang="en-US" sz="1400" dirty="0"/>
+              <a:t>”. Valid for all following commands such as RUN but also when starting a new container later</a:t>
+            </a:r>
+            <a:endParaRPr lang="en-US" sz="1400" b="1" dirty="0"/>
+          </a:p>
+        </p:txBody>
+      </p:sp>
+    </p:spTree>
+    <p:extLst>
+      <p:ext uri="{BB962C8B-B14F-4D97-AF65-F5344CB8AC3E}">
+        <p14:creationId xmlns:p14="http://schemas.microsoft.com/office/powerpoint/2010/main" val="2136688569"/>
+      </p:ext>
+    </p:extLst>
+  </p:cSld>
+  <p:clrMapOvr>
+    <a:masterClrMapping/>
+  </p:clrMapOvr>
+</p:sld>
+</file>
+
+<file path=ppt/slides/slide11.xml><?xml version="1.0" encoding="utf-8"?>
+<p:sld xmlns:a="http://schemas.openxmlformats.org/drawingml/2006/main" xmlns:r="http://schemas.openxmlformats.org/officeDocument/2006/relationships" xmlns:p="http://schemas.openxmlformats.org/presentationml/2006/main">
+  <p:cSld>
+    <p:spTree>
+      <p:nvGrpSpPr>
+        <p:cNvPr id="1" name=""/>
+        <p:cNvGrpSpPr/>
+        <p:nvPr/>
+      </p:nvGrpSpPr>
+      <p:grpSpPr>
+        <a:xfrm>
+          <a:off x="0" y="0"/>
+          <a:ext cx="0" cy="0"/>
+          <a:chOff x="0" y="0"/>
+          <a:chExt cx="0" cy="0"/>
+        </a:xfrm>
+      </p:grpSpPr>
+      <p:sp>
+        <p:nvSpPr>
+          <p:cNvPr id="10" name="Rectangle 9">
+            <a:extLst>
+              <a:ext uri="{FF2B5EF4-FFF2-40B4-BE49-F238E27FC236}">
+                <a16:creationId xmlns:a16="http://schemas.microsoft.com/office/drawing/2014/main" id="{6182DB24-448C-4A97-AAD6-09FD3A8DED89}"/>
+              </a:ext>
+            </a:extLst>
+          </p:cNvPr>
+          <p:cNvSpPr/>
+          <p:nvPr/>
+        </p:nvSpPr>
+        <p:spPr bwMode="gray">
+          <a:xfrm>
+            <a:off x="2254258" y="3636276"/>
+            <a:ext cx="7685962" cy="2432649"/>
+          </a:xfrm>
+          <a:prstGeom prst="rect">
+            <a:avLst/>
+          </a:prstGeom>
+          <a:ln>
+            <a:headEnd/>
+            <a:tailEnd/>
+          </a:ln>
+        </p:spPr>
+        <p:style>
+          <a:lnRef idx="2">
+            <a:schemeClr val="accent2">
+              <a:shade val="50000"/>
+            </a:schemeClr>
+          </a:lnRef>
+          <a:fillRef idx="1">
+            <a:schemeClr val="accent2"/>
+          </a:fillRef>
+          <a:effectRef idx="0">
+            <a:schemeClr val="accent2"/>
+          </a:effectRef>
+          <a:fontRef idx="minor">
+            <a:schemeClr val="lt1"/>
+          </a:fontRef>
+        </p:style>
+        <p:txBody>
+          <a:bodyPr lIns="90000" tIns="72000" rIns="90000" bIns="72000" rtlCol="0" anchor="b"/>
+          <a:lstStyle/>
+          <a:p>
+            <a:r>
+              <a:rPr lang="en-US" sz="1800" dirty="0"/>
+              <a:t>$: </a:t>
+            </a:r>
+            <a:r>
+              <a:rPr lang="en-US" sz="1800" dirty="0" err="1"/>
+              <a:t>ps</a:t>
+            </a:r>
+            <a:r>
+              <a:rPr lang="en-US" sz="1800" dirty="0"/>
+              <a:t> </a:t>
+            </a:r>
+            <a:r>
+              <a:rPr lang="en-US" sz="1800" dirty="0" err="1"/>
+              <a:t>aufx</a:t>
+            </a:r>
+            <a:endParaRPr lang="en-US" sz="1800" dirty="0"/>
+          </a:p>
+          <a:p>
+            <a:r>
+              <a:rPr lang="en-US" sz="1800" dirty="0"/>
+              <a:t>…</a:t>
+            </a:r>
+          </a:p>
+          <a:p>
+            <a:r>
+              <a:rPr lang="en-US" sz="1800" dirty="0"/>
+              <a:t>root      /</a:t>
+            </a:r>
+            <a:r>
+              <a:rPr lang="en-US" sz="1800" dirty="0" err="1"/>
+              <a:t>usr</a:t>
+            </a:r>
+            <a:r>
+              <a:rPr lang="en-US" sz="1800" dirty="0"/>
+              <a:t>/bin/</a:t>
+            </a:r>
+            <a:r>
+              <a:rPr lang="en-US" sz="1800" dirty="0" err="1"/>
+              <a:t>containerd</a:t>
+            </a:r>
+            <a:endParaRPr lang="en-US" sz="1800" dirty="0"/>
+          </a:p>
+          <a:p>
+            <a:r>
+              <a:rPr lang="en-US" sz="1800" dirty="0"/>
+              <a:t>root      \_ </a:t>
+            </a:r>
+            <a:r>
+              <a:rPr lang="en-US" sz="1800" dirty="0" err="1"/>
+              <a:t>containerd</a:t>
+            </a:r>
+            <a:r>
+              <a:rPr lang="en-US" sz="1800" dirty="0"/>
+              <a:t>-shim -namespace </a:t>
+            </a:r>
+            <a:r>
+              <a:rPr lang="en-US" sz="1800" dirty="0" err="1"/>
+              <a:t>moby</a:t>
+            </a:r>
+            <a:endParaRPr lang="en-US" sz="1800" dirty="0"/>
+          </a:p>
+          <a:p>
+            <a:r>
+              <a:rPr lang="en-US" sz="1800" dirty="0">
+                <a:highlight>
+                  <a:srgbClr val="000000"/>
+                </a:highlight>
+              </a:rPr>
+              <a:t>root</a:t>
+            </a:r>
+            <a:r>
+              <a:rPr lang="en-US" sz="1800" dirty="0"/>
+              <a:t>         \_ /bin/</a:t>
+            </a:r>
+            <a:r>
+              <a:rPr lang="en-US" sz="1800" dirty="0" err="1"/>
+              <a:t>sh</a:t>
+            </a:r>
+            <a:endParaRPr lang="en-US" sz="1800" dirty="0"/>
+          </a:p>
+          <a:p>
+            <a:r>
+              <a:rPr lang="en-US" sz="1800" dirty="0">
+                <a:highlight>
+                  <a:srgbClr val="000000"/>
+                </a:highlight>
+              </a:rPr>
+              <a:t>root</a:t>
+            </a:r>
+            <a:r>
+              <a:rPr lang="en-US" sz="1800" dirty="0"/>
+              <a:t>            \_ </a:t>
+            </a:r>
+            <a:r>
+              <a:rPr lang="en-US" sz="1800" dirty="0" err="1"/>
+              <a:t>whoami</a:t>
+            </a:r>
+            <a:endParaRPr lang="en-US" sz="1800" dirty="0"/>
+          </a:p>
+        </p:txBody>
+      </p:sp>
+      <p:sp>
+        <p:nvSpPr>
+          <p:cNvPr id="4" name="Title 3">
+            <a:extLst>
+              <a:ext uri="{FF2B5EF4-FFF2-40B4-BE49-F238E27FC236}">
+                <a16:creationId xmlns:a16="http://schemas.microsoft.com/office/drawing/2014/main" id="{E919ED96-B3DB-41D2-8911-BCECE8B5D093}"/>
+              </a:ext>
+            </a:extLst>
+          </p:cNvPr>
+          <p:cNvSpPr>
+            <a:spLocks noGrp="1"/>
+          </p:cNvSpPr>
+          <p:nvPr>
+            <p:ph type="title"/>
+          </p:nvPr>
+        </p:nvSpPr>
+        <p:spPr/>
+        <p:txBody>
+          <a:bodyPr/>
+          <a:lstStyle/>
+          <a:p>
+            <a:r>
+              <a:rPr lang="en-US" dirty="0"/>
+              <a:t>Running a container as root</a:t>
+            </a:r>
+          </a:p>
+        </p:txBody>
+      </p:sp>
+      <p:grpSp>
+        <p:nvGrpSpPr>
+          <p:cNvPr id="9" name="Group 8">
+            <a:extLst>
+              <a:ext uri="{FF2B5EF4-FFF2-40B4-BE49-F238E27FC236}">
+                <a16:creationId xmlns:a16="http://schemas.microsoft.com/office/drawing/2014/main" id="{E22300D6-E373-4C62-8F36-D0EA4C619A54}"/>
+              </a:ext>
+            </a:extLst>
+          </p:cNvPr>
+          <p:cNvGrpSpPr/>
+          <p:nvPr/>
+        </p:nvGrpSpPr>
+        <p:grpSpPr>
+          <a:xfrm>
+            <a:off x="4004515" y="1971378"/>
+            <a:ext cx="4185448" cy="2648309"/>
+            <a:chOff x="3535193" y="2104845"/>
+            <a:chExt cx="4185448" cy="2648309"/>
+          </a:xfrm>
+        </p:grpSpPr>
+        <p:sp>
+          <p:nvSpPr>
+            <p:cNvPr id="8" name="Rectangle 7">
+              <a:extLst>
+                <a:ext uri="{FF2B5EF4-FFF2-40B4-BE49-F238E27FC236}">
+                  <a16:creationId xmlns:a16="http://schemas.microsoft.com/office/drawing/2014/main" id="{0FB3DD71-76C7-4B99-AE8A-F0A125E0E65F}"/>
+                </a:ext>
+              </a:extLst>
+            </p:cNvPr>
+            <p:cNvSpPr/>
+            <p:nvPr/>
+          </p:nvSpPr>
+          <p:spPr bwMode="gray">
+            <a:xfrm>
+              <a:off x="3535193" y="2104845"/>
+              <a:ext cx="4185448" cy="2648309"/>
+            </a:xfrm>
+            <a:prstGeom prst="rect">
+              <a:avLst/>
+            </a:prstGeom>
+            <a:ln>
+              <a:headEnd/>
+              <a:tailEnd/>
+            </a:ln>
+          </p:spPr>
+          <p:style>
+            <a:lnRef idx="1">
+              <a:schemeClr val="accent2"/>
+            </a:lnRef>
+            <a:fillRef idx="2">
+              <a:schemeClr val="accent2"/>
+            </a:fillRef>
+            <a:effectRef idx="1">
+              <a:schemeClr val="accent2"/>
+            </a:effectRef>
+            <a:fontRef idx="minor">
+              <a:schemeClr val="dk1"/>
+            </a:fontRef>
+          </p:style>
+          <p:txBody>
+            <a:bodyPr lIns="90000" tIns="72000" rIns="90000" bIns="72000" rtlCol="0" anchor="t"/>
+            <a:lstStyle/>
+            <a:p>
+              <a:pPr defTabSz="914400" fontAlgn="base">
+                <a:spcBef>
+                  <a:spcPct val="50000"/>
+                </a:spcBef>
+                <a:spcAft>
+                  <a:spcPct val="0"/>
+                </a:spcAft>
+                <a:buClr>
+                  <a:srgbClr val="F0AB00"/>
+                </a:buClr>
+                <a:buSzPct val="80000"/>
+              </a:pPr>
+              <a:r>
+                <a:rPr lang="en-US" sz="1800" kern="0" dirty="0">
+                  <a:ea typeface="Arial Unicode MS" pitchFamily="34" charset="-128"/>
+                  <a:cs typeface="Arial Unicode MS" pitchFamily="34" charset="-128"/>
+                </a:rPr>
+                <a:t># </a:t>
+              </a:r>
+              <a:r>
+                <a:rPr lang="en-US" sz="1800" kern="0" dirty="0" err="1">
+                  <a:ea typeface="Arial Unicode MS" pitchFamily="34" charset="-128"/>
+                  <a:cs typeface="Arial Unicode MS" pitchFamily="34" charset="-128"/>
+                </a:rPr>
+                <a:t>whoami</a:t>
+              </a:r>
+              <a:endParaRPr lang="en-US" sz="1800" kern="0" dirty="0">
+                <a:ea typeface="Arial Unicode MS" pitchFamily="34" charset="-128"/>
+                <a:cs typeface="Arial Unicode MS" pitchFamily="34" charset="-128"/>
+              </a:endParaRPr>
+            </a:p>
+            <a:p>
+              <a:pPr defTabSz="914400" fontAlgn="base">
+                <a:spcBef>
+                  <a:spcPct val="50000"/>
+                </a:spcBef>
+                <a:spcAft>
+                  <a:spcPct val="0"/>
+                </a:spcAft>
+                <a:buClr>
+                  <a:srgbClr val="F0AB00"/>
+                </a:buClr>
+                <a:buSzPct val="80000"/>
+              </a:pPr>
+              <a:r>
+                <a:rPr lang="en-US" sz="1800" kern="0" dirty="0">
+                  <a:ea typeface="Arial Unicode MS" pitchFamily="34" charset="-128"/>
+                  <a:cs typeface="Arial Unicode MS" pitchFamily="34" charset="-128"/>
+                </a:rPr>
+                <a:t>&gt;&gt; root</a:t>
+              </a:r>
+            </a:p>
+            <a:p>
+              <a:pPr defTabSz="914400" fontAlgn="base">
+                <a:spcBef>
+                  <a:spcPct val="50000"/>
+                </a:spcBef>
+                <a:spcAft>
+                  <a:spcPct val="0"/>
+                </a:spcAft>
+                <a:buClr>
+                  <a:srgbClr val="F0AB00"/>
+                </a:buClr>
+                <a:buSzPct val="80000"/>
+              </a:pPr>
+              <a:r>
+                <a:rPr lang="en-US" sz="1800" kern="0" dirty="0">
+                  <a:ea typeface="Arial Unicode MS" pitchFamily="34" charset="-128"/>
+                  <a:cs typeface="Arial Unicode MS" pitchFamily="34" charset="-128"/>
+                </a:rPr>
+                <a:t># id root</a:t>
+              </a:r>
+            </a:p>
+            <a:p>
+              <a:pPr defTabSz="914400" fontAlgn="base">
+                <a:spcBef>
+                  <a:spcPct val="50000"/>
+                </a:spcBef>
+                <a:spcAft>
+                  <a:spcPct val="0"/>
+                </a:spcAft>
+                <a:buClr>
+                  <a:srgbClr val="F0AB00"/>
+                </a:buClr>
+                <a:buSzPct val="80000"/>
+              </a:pPr>
+              <a:r>
+                <a:rPr lang="en-US" sz="1800" kern="0" dirty="0">
+                  <a:ea typeface="Arial Unicode MS" pitchFamily="34" charset="-128"/>
+                  <a:cs typeface="Arial Unicode MS" pitchFamily="34" charset="-128"/>
+                </a:rPr>
+                <a:t>&gt;&gt; </a:t>
+              </a:r>
+              <a:r>
+                <a:rPr lang="nl-NL" sz="1800" kern="0" dirty="0" err="1">
+                  <a:ea typeface="Arial Unicode MS" pitchFamily="34" charset="-128"/>
+                  <a:cs typeface="Arial Unicode MS" pitchFamily="34" charset="-128"/>
+                </a:rPr>
+                <a:t>uid</a:t>
+              </a:r>
+              <a:r>
+                <a:rPr lang="nl-NL" sz="1800" kern="0" dirty="0">
+                  <a:ea typeface="Arial Unicode MS" pitchFamily="34" charset="-128"/>
+                  <a:cs typeface="Arial Unicode MS" pitchFamily="34" charset="-128"/>
+                </a:rPr>
+                <a:t>=0(root) </a:t>
+              </a:r>
+              <a:r>
+                <a:rPr lang="nl-NL" sz="1800" kern="0" dirty="0" err="1">
+                  <a:ea typeface="Arial Unicode MS" pitchFamily="34" charset="-128"/>
+                  <a:cs typeface="Arial Unicode MS" pitchFamily="34" charset="-128"/>
+                </a:rPr>
+                <a:t>gid</a:t>
+              </a:r>
+              <a:r>
+                <a:rPr lang="nl-NL" sz="1800" kern="0" dirty="0">
+                  <a:ea typeface="Arial Unicode MS" pitchFamily="34" charset="-128"/>
+                  <a:cs typeface="Arial Unicode MS" pitchFamily="34" charset="-128"/>
+                </a:rPr>
+                <a:t>=0(root)</a:t>
+              </a:r>
+            </a:p>
+            <a:p>
+              <a:pPr defTabSz="914400" fontAlgn="base">
+                <a:spcBef>
+                  <a:spcPct val="50000"/>
+                </a:spcBef>
+                <a:spcAft>
+                  <a:spcPct val="0"/>
+                </a:spcAft>
+                <a:buClr>
+                  <a:srgbClr val="F0AB00"/>
+                </a:buClr>
+                <a:buSzPct val="80000"/>
+              </a:pPr>
+              <a:endParaRPr lang="nl-NL" sz="1800" kern="0" dirty="0">
+                <a:ea typeface="Arial Unicode MS" pitchFamily="34" charset="-128"/>
+                <a:cs typeface="Arial Unicode MS" pitchFamily="34" charset="-128"/>
+              </a:endParaRPr>
+            </a:p>
+            <a:p>
+              <a:pPr defTabSz="914400" fontAlgn="base">
+                <a:spcBef>
+                  <a:spcPct val="50000"/>
+                </a:spcBef>
+                <a:spcAft>
+                  <a:spcPct val="0"/>
+                </a:spcAft>
+                <a:buClr>
+                  <a:srgbClr val="F0AB00"/>
+                </a:buClr>
+                <a:buSzPct val="80000"/>
+              </a:pPr>
+              <a:r>
+                <a:rPr lang="nl-NL" sz="1800" kern="0" dirty="0">
+                  <a:ea typeface="Arial Unicode MS" pitchFamily="34" charset="-128"/>
+                  <a:cs typeface="Arial Unicode MS" pitchFamily="34" charset="-128"/>
+                </a:rPr>
+                <a:t># </a:t>
+              </a:r>
+              <a:r>
+                <a:rPr lang="nl-NL" sz="1800" kern="0" dirty="0" err="1">
+                  <a:ea typeface="Arial Unicode MS" pitchFamily="34" charset="-128"/>
+                  <a:cs typeface="Arial Unicode MS" pitchFamily="34" charset="-128"/>
+                </a:rPr>
+                <a:t>touch</a:t>
+              </a:r>
+              <a:r>
+                <a:rPr lang="nl-NL" sz="1800" kern="0" dirty="0">
+                  <a:ea typeface="Arial Unicode MS" pitchFamily="34" charset="-128"/>
+                  <a:cs typeface="Arial Unicode MS" pitchFamily="34" charset="-128"/>
+                </a:rPr>
+                <a:t> /</a:t>
+              </a:r>
+              <a:r>
+                <a:rPr lang="nl-NL" sz="1800" kern="0" dirty="0" err="1">
+                  <a:ea typeface="Arial Unicode MS" pitchFamily="34" charset="-128"/>
+                  <a:cs typeface="Arial Unicode MS" pitchFamily="34" charset="-128"/>
+                </a:rPr>
+                <a:t>hostfs</a:t>
+              </a:r>
+              <a:r>
+                <a:rPr lang="nl-NL" sz="1800" kern="0" dirty="0">
+                  <a:ea typeface="Arial Unicode MS" pitchFamily="34" charset="-128"/>
+                  <a:cs typeface="Arial Unicode MS" pitchFamily="34" charset="-128"/>
+                </a:rPr>
+                <a:t>/test</a:t>
+              </a:r>
+            </a:p>
+          </p:txBody>
+        </p:sp>
+        <p:pic>
+          <p:nvPicPr>
+            <p:cNvPr id="7" name="Picture 6">
+              <a:extLst>
+                <a:ext uri="{FF2B5EF4-FFF2-40B4-BE49-F238E27FC236}">
+                  <a16:creationId xmlns:a16="http://schemas.microsoft.com/office/drawing/2014/main" id="{D935FCAE-5D10-4AB7-A914-78CE7698CC34}"/>
+                </a:ext>
+              </a:extLst>
+            </p:cNvPr>
+            <p:cNvPicPr>
+              <a:picLocks noChangeAspect="1"/>
+            </p:cNvPicPr>
+            <p:nvPr/>
+          </p:nvPicPr>
+          <p:blipFill>
+            <a:blip r:embed="rId3"/>
+            <a:stretch>
+              <a:fillRect/>
+            </a:stretch>
+          </p:blipFill>
+          <p:spPr>
+            <a:xfrm>
+              <a:off x="6332157" y="2104845"/>
+              <a:ext cx="1388484" cy="1039240"/>
+            </a:xfrm>
+            <a:prstGeom prst="rect">
+              <a:avLst/>
+            </a:prstGeom>
+          </p:spPr>
+        </p:pic>
+      </p:grpSp>
+      <p:sp>
+        <p:nvSpPr>
+          <p:cNvPr id="11" name="Speech Bubble: Rectangle 10">
+            <a:extLst>
+              <a:ext uri="{FF2B5EF4-FFF2-40B4-BE49-F238E27FC236}">
+                <a16:creationId xmlns:a16="http://schemas.microsoft.com/office/drawing/2014/main" id="{4F5EF3FC-9009-4B36-841D-7C1FC9B2F8EC}"/>
+              </a:ext>
+            </a:extLst>
+          </p:cNvPr>
+          <p:cNvSpPr/>
+          <p:nvPr/>
+        </p:nvSpPr>
+        <p:spPr bwMode="gray">
+          <a:xfrm>
+            <a:off x="447122" y="1347726"/>
+            <a:ext cx="3303917" cy="1080366"/>
+          </a:xfrm>
+          <a:prstGeom prst="wedgeRectCallout">
+            <a:avLst>
+              <a:gd name="adj1" fmla="val 52129"/>
+              <a:gd name="adj2" fmla="val 153526"/>
+            </a:avLst>
+          </a:prstGeom>
+          <a:ln>
+            <a:headEnd/>
+            <a:tailEnd/>
+          </a:ln>
+        </p:spPr>
+        <p:style>
+          <a:lnRef idx="2">
+            <a:schemeClr val="accent5"/>
+          </a:lnRef>
+          <a:fillRef idx="1">
+            <a:schemeClr val="lt1"/>
+          </a:fillRef>
+          <a:effectRef idx="0">
+            <a:schemeClr val="accent5"/>
+          </a:effectRef>
+          <a:fontRef idx="minor">
+            <a:schemeClr val="dk1"/>
+          </a:fontRef>
+        </p:style>
+        <p:txBody>
+          <a:bodyPr lIns="90000" tIns="72000" rIns="90000" bIns="72000" rtlCol="0" anchor="ctr"/>
+          <a:lstStyle/>
+          <a:p>
+            <a:pPr marR="0" algn="ctr" defTabSz="914400" eaLnBrk="1" fontAlgn="base" latinLnBrk="0" hangingPunct="1">
+              <a:lnSpc>
+                <a:spcPct val="100000"/>
+              </a:lnSpc>
+              <a:spcBef>
+                <a:spcPct val="50000"/>
+              </a:spcBef>
+              <a:spcAft>
+                <a:spcPct val="0"/>
+              </a:spcAft>
+              <a:buClr>
+                <a:srgbClr val="F0AB00"/>
+              </a:buClr>
+              <a:buSzPct val="80000"/>
+              <a:tabLst/>
+            </a:pPr>
+            <a:r>
+              <a:rPr lang="en-US" sz="1800" kern="0" dirty="0">
+                <a:ea typeface="Arial Unicode MS" pitchFamily="34" charset="-128"/>
+                <a:cs typeface="Arial Unicode MS" pitchFamily="34" charset="-128"/>
+              </a:rPr>
+              <a:t>user “root” within the container is the same as outside</a:t>
+            </a:r>
+            <a:endParaRPr kumimoji="0" lang="en-US" sz="1800" b="0" i="0" u="none" strike="noStrike" kern="0" cap="none" spc="0" normalizeH="0" baseline="0" noProof="0" dirty="0" err="1">
+              <a:ln>
+                <a:noFill/>
+              </a:ln>
+              <a:effectLst/>
+              <a:uLnTx/>
+              <a:uFillTx/>
+              <a:ea typeface="Arial Unicode MS" pitchFamily="34" charset="-128"/>
+              <a:cs typeface="Arial Unicode MS" pitchFamily="34" charset="-128"/>
+            </a:endParaRPr>
+          </a:p>
+        </p:txBody>
+      </p:sp>
+      <p:pic>
+        <p:nvPicPr>
+          <p:cNvPr id="14" name="Graphic 13" descr="Document">
+            <a:extLst>
+              <a:ext uri="{FF2B5EF4-FFF2-40B4-BE49-F238E27FC236}">
+                <a16:creationId xmlns:a16="http://schemas.microsoft.com/office/drawing/2014/main" id="{D9CA7C90-46C6-4ABB-9D79-A3C22FE1CC76}"/>
+              </a:ext>
+            </a:extLst>
+          </p:cNvPr>
+          <p:cNvPicPr>
+            <a:picLocks noChangeAspect="1"/>
+          </p:cNvPicPr>
+          <p:nvPr/>
+        </p:nvPicPr>
+        <p:blipFill>
+          <a:blip r:embed="rId4">
+            <a:extLst>
+              <a:ext uri="{96DAC541-7B7A-43D3-8B79-37D633B846F1}">
+                <asvg:svgBlip xmlns:asvg="http://schemas.microsoft.com/office/drawing/2016/SVG/main" r:embed="rId5"/>
+              </a:ext>
+            </a:extLst>
+          </a:blip>
+          <a:stretch>
+            <a:fillRect/>
+          </a:stretch>
+        </p:blipFill>
+        <p:spPr>
+          <a:xfrm>
+            <a:off x="8420267" y="4207775"/>
+            <a:ext cx="1289649" cy="1289649"/>
+          </a:xfrm>
+          <a:prstGeom prst="rect">
+            <a:avLst/>
+          </a:prstGeom>
+        </p:spPr>
+      </p:pic>
+      <p:cxnSp>
+        <p:nvCxnSpPr>
+          <p:cNvPr id="16" name="Connector: Elbow 15">
+            <a:extLst>
+              <a:ext uri="{FF2B5EF4-FFF2-40B4-BE49-F238E27FC236}">
+                <a16:creationId xmlns:a16="http://schemas.microsoft.com/office/drawing/2014/main" id="{F299C690-16C6-4F3E-A7C8-FF0693EBD976}"/>
+              </a:ext>
+            </a:extLst>
+          </p:cNvPr>
+          <p:cNvCxnSpPr>
+            <a:cxnSpLocks/>
+          </p:cNvCxnSpPr>
+          <p:nvPr/>
+        </p:nvCxnSpPr>
+        <p:spPr>
+          <a:xfrm>
+            <a:off x="6193766" y="4218802"/>
+            <a:ext cx="2226501" cy="633797"/>
+          </a:xfrm>
+          <a:prstGeom prst="bentConnector3">
+            <a:avLst>
+              <a:gd name="adj1" fmla="val 50000"/>
+            </a:avLst>
+          </a:prstGeom>
+          <a:ln w="57150">
+            <a:solidFill>
+              <a:schemeClr val="bg1">
+                <a:lumMod val="95000"/>
+              </a:schemeClr>
+            </a:solidFill>
+            <a:headEnd type="none" w="med" len="med"/>
+            <a:tailEnd type="triangle"/>
+          </a:ln>
+        </p:spPr>
+        <p:style>
+          <a:lnRef idx="1">
+            <a:schemeClr val="accent1"/>
+          </a:lnRef>
+          <a:fillRef idx="0">
+            <a:schemeClr val="accent1"/>
+          </a:fillRef>
+          <a:effectRef idx="0">
+            <a:schemeClr val="accent1"/>
+          </a:effectRef>
+          <a:fontRef idx="minor">
+            <a:schemeClr val="tx1"/>
+          </a:fontRef>
+        </p:style>
+      </p:cxnSp>
+      <p:sp>
+        <p:nvSpPr>
+          <p:cNvPr id="20" name="Speech Bubble: Rectangle 19">
+            <a:extLst>
+              <a:ext uri="{FF2B5EF4-FFF2-40B4-BE49-F238E27FC236}">
+                <a16:creationId xmlns:a16="http://schemas.microsoft.com/office/drawing/2014/main" id="{1C72EB46-CA27-4D06-B55B-08F2C425897C}"/>
+              </a:ext>
+            </a:extLst>
+          </p:cNvPr>
+          <p:cNvSpPr/>
+          <p:nvPr/>
+        </p:nvSpPr>
+        <p:spPr bwMode="gray">
+          <a:xfrm>
+            <a:off x="8443439" y="1347726"/>
+            <a:ext cx="3303917" cy="1080366"/>
+          </a:xfrm>
+          <a:prstGeom prst="wedgeRectCallout">
+            <a:avLst>
+              <a:gd name="adj1" fmla="val -43693"/>
+              <a:gd name="adj2" fmla="val 205427"/>
+            </a:avLst>
+          </a:prstGeom>
+          <a:ln>
+            <a:headEnd/>
+            <a:tailEnd/>
+          </a:ln>
+        </p:spPr>
+        <p:style>
+          <a:lnRef idx="2">
+            <a:schemeClr val="accent5"/>
+          </a:lnRef>
+          <a:fillRef idx="1">
+            <a:schemeClr val="lt1"/>
+          </a:fillRef>
+          <a:effectRef idx="0">
+            <a:schemeClr val="accent5"/>
+          </a:effectRef>
+          <a:fontRef idx="minor">
+            <a:schemeClr val="dk1"/>
+          </a:fontRef>
+        </p:style>
+        <p:txBody>
+          <a:bodyPr lIns="90000" tIns="72000" rIns="90000" bIns="72000" rtlCol="0" anchor="ctr"/>
+          <a:lstStyle/>
+          <a:p>
+            <a:pPr marR="0" algn="ctr" defTabSz="914400" eaLnBrk="1" fontAlgn="base" latinLnBrk="0" hangingPunct="1">
+              <a:lnSpc>
+                <a:spcPct val="100000"/>
+              </a:lnSpc>
+              <a:spcBef>
+                <a:spcPct val="50000"/>
+              </a:spcBef>
+              <a:spcAft>
+                <a:spcPct val="0"/>
+              </a:spcAft>
+              <a:buClr>
+                <a:srgbClr val="F0AB00"/>
+              </a:buClr>
+              <a:buSzPct val="80000"/>
+              <a:tabLst/>
+            </a:pPr>
+            <a:r>
+              <a:rPr lang="en-US" sz="1800" kern="0" dirty="0">
+                <a:ea typeface="Arial Unicode MS" pitchFamily="34" charset="-128"/>
+                <a:cs typeface="Arial Unicode MS" pitchFamily="34" charset="-128"/>
+              </a:rPr>
+              <a:t>Via volumes files owned by “root” can be created or modified on the host</a:t>
+            </a:r>
+            <a:endParaRPr kumimoji="0" lang="en-US" sz="1800" b="0" i="0" u="none" strike="noStrike" kern="0" cap="none" spc="0" normalizeH="0" baseline="0" noProof="0" dirty="0" err="1">
+              <a:ln>
+                <a:noFill/>
+              </a:ln>
+              <a:effectLst/>
+              <a:uLnTx/>
+              <a:uFillTx/>
+              <a:ea typeface="Arial Unicode MS" pitchFamily="34" charset="-128"/>
+              <a:cs typeface="Arial Unicode MS" pitchFamily="34" charset="-128"/>
+            </a:endParaRPr>
+          </a:p>
+        </p:txBody>
+      </p:sp>
+    </p:spTree>
+    <p:extLst>
+      <p:ext uri="{BB962C8B-B14F-4D97-AF65-F5344CB8AC3E}">
+        <p14:creationId xmlns:p14="http://schemas.microsoft.com/office/powerpoint/2010/main" val="2439180793"/>
+      </p:ext>
+    </p:extLst>
+  </p:cSld>
+  <p:clrMapOvr>
+    <a:masterClrMapping/>
+  </p:clrMapOvr>
+</p:sld>
+</file>
+
+<file path=ppt/slides/slide12.xml><?xml version="1.0" encoding="utf-8"?>
+<p:sld xmlns:a="http://schemas.openxmlformats.org/drawingml/2006/main" xmlns:r="http://schemas.openxmlformats.org/officeDocument/2006/relationships" xmlns:p="http://schemas.openxmlformats.org/presentationml/2006/main">
+  <p:cSld>
+    <p:spTree>
+      <p:nvGrpSpPr>
+        <p:cNvPr id="1" name=""/>
+        <p:cNvGrpSpPr/>
+        <p:nvPr/>
+      </p:nvGrpSpPr>
+      <p:grpSpPr>
+        <a:xfrm>
+          <a:off x="0" y="0"/>
+          <a:ext cx="0" cy="0"/>
+          <a:chOff x="0" y="0"/>
+          <a:chExt cx="0" cy="0"/>
+        </a:xfrm>
+      </p:grpSpPr>
+      <p:sp>
+        <p:nvSpPr>
+          <p:cNvPr id="10" name="Rectangle 9">
+            <a:extLst>
+              <a:ext uri="{FF2B5EF4-FFF2-40B4-BE49-F238E27FC236}">
+                <a16:creationId xmlns:a16="http://schemas.microsoft.com/office/drawing/2014/main" id="{6182DB24-448C-4A97-AAD6-09FD3A8DED89}"/>
+              </a:ext>
+            </a:extLst>
+          </p:cNvPr>
+          <p:cNvSpPr/>
+          <p:nvPr/>
+        </p:nvSpPr>
+        <p:spPr bwMode="gray">
+          <a:xfrm>
+            <a:off x="2254258" y="3636276"/>
+            <a:ext cx="7685962" cy="2432649"/>
+          </a:xfrm>
+          <a:prstGeom prst="rect">
+            <a:avLst/>
+          </a:prstGeom>
+          <a:ln>
+            <a:headEnd/>
+            <a:tailEnd/>
+          </a:ln>
+        </p:spPr>
+        <p:style>
+          <a:lnRef idx="2">
+            <a:schemeClr val="accent2">
+              <a:shade val="50000"/>
+            </a:schemeClr>
+          </a:lnRef>
+          <a:fillRef idx="1">
+            <a:schemeClr val="accent2"/>
+          </a:fillRef>
+          <a:effectRef idx="0">
+            <a:schemeClr val="accent2"/>
+          </a:effectRef>
+          <a:fontRef idx="minor">
+            <a:schemeClr val="lt1"/>
+          </a:fontRef>
+        </p:style>
+        <p:txBody>
+          <a:bodyPr lIns="90000" tIns="72000" rIns="90000" bIns="72000" rtlCol="0" anchor="b"/>
+          <a:lstStyle/>
+          <a:p>
+            <a:r>
+              <a:rPr lang="en-US" sz="1800" dirty="0"/>
+              <a:t>$: </a:t>
+            </a:r>
+            <a:r>
+              <a:rPr lang="en-US" sz="1800" dirty="0" err="1"/>
+              <a:t>ps</a:t>
+            </a:r>
+            <a:r>
+              <a:rPr lang="en-US" sz="1800" dirty="0"/>
+              <a:t> </a:t>
+            </a:r>
+            <a:r>
+              <a:rPr lang="en-US" sz="1800" dirty="0" err="1"/>
+              <a:t>aufx</a:t>
+            </a:r>
+            <a:endParaRPr lang="en-US" sz="1800" dirty="0"/>
+          </a:p>
+          <a:p>
+            <a:r>
+              <a:rPr lang="en-US" sz="1800" dirty="0"/>
+              <a:t>…</a:t>
+            </a:r>
+          </a:p>
+          <a:p>
+            <a:r>
+              <a:rPr lang="en-US" sz="1800" dirty="0"/>
+              <a:t>root      /</a:t>
+            </a:r>
+            <a:r>
+              <a:rPr lang="en-US" sz="1800" dirty="0" err="1"/>
+              <a:t>usr</a:t>
+            </a:r>
+            <a:r>
+              <a:rPr lang="en-US" sz="1800" dirty="0"/>
+              <a:t>/bin/</a:t>
+            </a:r>
+            <a:r>
+              <a:rPr lang="en-US" sz="1800" dirty="0" err="1"/>
+              <a:t>containerd</a:t>
+            </a:r>
+            <a:endParaRPr lang="en-US" sz="1800" dirty="0"/>
+          </a:p>
+          <a:p>
+            <a:r>
+              <a:rPr lang="en-US" sz="1800" dirty="0"/>
+              <a:t>root      \_ </a:t>
+            </a:r>
+            <a:r>
+              <a:rPr lang="en-US" sz="1800" dirty="0" err="1"/>
+              <a:t>containerd</a:t>
+            </a:r>
+            <a:r>
+              <a:rPr lang="en-US" sz="1800" dirty="0"/>
+              <a:t>-shim -namespace </a:t>
+            </a:r>
+            <a:r>
+              <a:rPr lang="en-US" sz="1800" dirty="0" err="1"/>
+              <a:t>moby</a:t>
+            </a:r>
+            <a:endParaRPr lang="en-US" sz="1800" dirty="0"/>
+          </a:p>
+          <a:p>
+            <a:r>
+              <a:rPr lang="en-US" sz="1800" dirty="0">
+                <a:highlight>
+                  <a:srgbClr val="000000"/>
+                </a:highlight>
+              </a:rPr>
+              <a:t>1001</a:t>
+            </a:r>
+            <a:r>
+              <a:rPr lang="en-US" sz="1800" dirty="0"/>
+              <a:t>       \_ /bin/</a:t>
+            </a:r>
+            <a:r>
+              <a:rPr lang="en-US" sz="1800" dirty="0" err="1"/>
+              <a:t>sh</a:t>
+            </a:r>
+            <a:endParaRPr lang="en-US" sz="1800" dirty="0"/>
+          </a:p>
+          <a:p>
+            <a:r>
+              <a:rPr lang="en-US" sz="1800" dirty="0">
+                <a:highlight>
+                  <a:srgbClr val="000000"/>
+                </a:highlight>
+              </a:rPr>
+              <a:t>1001</a:t>
+            </a:r>
+            <a:r>
+              <a:rPr lang="en-US" sz="1800" dirty="0"/>
+              <a:t>          \_ </a:t>
+            </a:r>
+            <a:r>
+              <a:rPr lang="en-US" sz="1800" dirty="0" err="1"/>
+              <a:t>whoami</a:t>
+            </a:r>
+            <a:endParaRPr lang="en-US" sz="1800" dirty="0"/>
+          </a:p>
+        </p:txBody>
+      </p:sp>
+      <p:sp>
+        <p:nvSpPr>
+          <p:cNvPr id="4" name="Title 3">
+            <a:extLst>
+              <a:ext uri="{FF2B5EF4-FFF2-40B4-BE49-F238E27FC236}">
+                <a16:creationId xmlns:a16="http://schemas.microsoft.com/office/drawing/2014/main" id="{E919ED96-B3DB-41D2-8911-BCECE8B5D093}"/>
+              </a:ext>
+            </a:extLst>
+          </p:cNvPr>
+          <p:cNvSpPr>
+            <a:spLocks noGrp="1"/>
+          </p:cNvSpPr>
+          <p:nvPr>
+            <p:ph type="title"/>
+          </p:nvPr>
+        </p:nvSpPr>
+        <p:spPr/>
+        <p:txBody>
+          <a:bodyPr/>
+          <a:lstStyle/>
+          <a:p>
+            <a:r>
+              <a:rPr lang="en-US" dirty="0"/>
+              <a:t>USER – non-root is best practice!</a:t>
+            </a:r>
+          </a:p>
+        </p:txBody>
+      </p:sp>
+      <p:grpSp>
+        <p:nvGrpSpPr>
+          <p:cNvPr id="9" name="Group 8">
+            <a:extLst>
+              <a:ext uri="{FF2B5EF4-FFF2-40B4-BE49-F238E27FC236}">
+                <a16:creationId xmlns:a16="http://schemas.microsoft.com/office/drawing/2014/main" id="{E22300D6-E373-4C62-8F36-D0EA4C619A54}"/>
+              </a:ext>
+            </a:extLst>
+          </p:cNvPr>
+          <p:cNvGrpSpPr/>
+          <p:nvPr/>
+        </p:nvGrpSpPr>
+        <p:grpSpPr>
+          <a:xfrm>
+            <a:off x="4004515" y="1777042"/>
+            <a:ext cx="4185448" cy="2842645"/>
+            <a:chOff x="3535193" y="1910509"/>
+            <a:chExt cx="4185448" cy="2842645"/>
+          </a:xfrm>
+        </p:grpSpPr>
+        <p:sp>
+          <p:nvSpPr>
+            <p:cNvPr id="8" name="Rectangle 7">
+              <a:extLst>
+                <a:ext uri="{FF2B5EF4-FFF2-40B4-BE49-F238E27FC236}">
+                  <a16:creationId xmlns:a16="http://schemas.microsoft.com/office/drawing/2014/main" id="{0FB3DD71-76C7-4B99-AE8A-F0A125E0E65F}"/>
+                </a:ext>
+              </a:extLst>
+            </p:cNvPr>
+            <p:cNvSpPr/>
+            <p:nvPr/>
+          </p:nvSpPr>
+          <p:spPr bwMode="gray">
+            <a:xfrm>
+              <a:off x="3535193" y="1910509"/>
+              <a:ext cx="4185448" cy="2842645"/>
+            </a:xfrm>
+            <a:prstGeom prst="rect">
+              <a:avLst/>
+            </a:prstGeom>
+            <a:ln>
+              <a:headEnd/>
+              <a:tailEnd/>
+            </a:ln>
+          </p:spPr>
+          <p:style>
+            <a:lnRef idx="1">
+              <a:schemeClr val="accent2"/>
+            </a:lnRef>
+            <a:fillRef idx="2">
+              <a:schemeClr val="accent2"/>
+            </a:fillRef>
+            <a:effectRef idx="1">
+              <a:schemeClr val="accent2"/>
+            </a:effectRef>
+            <a:fontRef idx="minor">
+              <a:schemeClr val="dk1"/>
+            </a:fontRef>
+          </p:style>
+          <p:txBody>
+            <a:bodyPr lIns="90000" tIns="72000" rIns="90000" bIns="72000" rtlCol="0" anchor="t"/>
+            <a:lstStyle/>
+            <a:p>
+              <a:pPr defTabSz="914400" fontAlgn="base">
+                <a:spcBef>
+                  <a:spcPct val="50000"/>
+                </a:spcBef>
+                <a:spcAft>
+                  <a:spcPct val="0"/>
+                </a:spcAft>
+                <a:buClr>
+                  <a:srgbClr val="F0AB00"/>
+                </a:buClr>
+                <a:buSzPct val="80000"/>
+              </a:pPr>
+              <a:r>
+                <a:rPr lang="en-US" sz="1800" kern="0" dirty="0">
+                  <a:ea typeface="Arial Unicode MS" pitchFamily="34" charset="-128"/>
+                  <a:cs typeface="Arial Unicode MS" pitchFamily="34" charset="-128"/>
+                </a:rPr>
+                <a:t># </a:t>
+              </a:r>
+              <a:r>
+                <a:rPr lang="en-US" sz="1800" kern="0" dirty="0" err="1">
+                  <a:ea typeface="Arial Unicode MS" pitchFamily="34" charset="-128"/>
+                  <a:cs typeface="Arial Unicode MS" pitchFamily="34" charset="-128"/>
+                </a:rPr>
+                <a:t>whoami</a:t>
+              </a:r>
+              <a:endParaRPr lang="en-US" sz="1800" kern="0" dirty="0">
+                <a:ea typeface="Arial Unicode MS" pitchFamily="34" charset="-128"/>
+                <a:cs typeface="Arial Unicode MS" pitchFamily="34" charset="-128"/>
+              </a:endParaRPr>
+            </a:p>
+            <a:p>
+              <a:pPr defTabSz="914400" fontAlgn="base">
+                <a:spcBef>
+                  <a:spcPct val="50000"/>
+                </a:spcBef>
+                <a:spcAft>
+                  <a:spcPct val="0"/>
+                </a:spcAft>
+                <a:buClr>
+                  <a:srgbClr val="F0AB00"/>
+                </a:buClr>
+                <a:buSzPct val="80000"/>
+              </a:pPr>
+              <a:r>
+                <a:rPr lang="en-US" sz="1800" kern="0" dirty="0">
+                  <a:ea typeface="Arial Unicode MS" pitchFamily="34" charset="-128"/>
+                  <a:cs typeface="Arial Unicode MS" pitchFamily="34" charset="-128"/>
+                </a:rPr>
+                <a:t>&gt;&gt; app-user</a:t>
+              </a:r>
+            </a:p>
+            <a:p>
+              <a:pPr defTabSz="914400" fontAlgn="base">
+                <a:spcBef>
+                  <a:spcPct val="50000"/>
+                </a:spcBef>
+                <a:spcAft>
+                  <a:spcPct val="0"/>
+                </a:spcAft>
+                <a:buClr>
+                  <a:srgbClr val="F0AB00"/>
+                </a:buClr>
+                <a:buSzPct val="80000"/>
+              </a:pPr>
+              <a:r>
+                <a:rPr lang="en-US" sz="1800" kern="0" dirty="0">
+                  <a:ea typeface="Arial Unicode MS" pitchFamily="34" charset="-128"/>
+                  <a:cs typeface="Arial Unicode MS" pitchFamily="34" charset="-128"/>
+                </a:rPr>
+                <a:t># id app-user</a:t>
+              </a:r>
+            </a:p>
+            <a:p>
+              <a:pPr defTabSz="914400" fontAlgn="base">
+                <a:spcBef>
+                  <a:spcPct val="50000"/>
+                </a:spcBef>
+                <a:spcAft>
+                  <a:spcPct val="0"/>
+                </a:spcAft>
+                <a:buClr>
+                  <a:srgbClr val="F0AB00"/>
+                </a:buClr>
+                <a:buSzPct val="80000"/>
+              </a:pPr>
+              <a:r>
+                <a:rPr lang="en-US" sz="1800" kern="0" dirty="0">
+                  <a:ea typeface="Arial Unicode MS" pitchFamily="34" charset="-128"/>
+                  <a:cs typeface="Arial Unicode MS" pitchFamily="34" charset="-128"/>
+                </a:rPr>
+                <a:t>&gt;&gt; </a:t>
+              </a:r>
+              <a:r>
+                <a:rPr lang="nl-NL" sz="1800" kern="0" dirty="0" err="1">
+                  <a:ea typeface="Arial Unicode MS" pitchFamily="34" charset="-128"/>
+                  <a:cs typeface="Arial Unicode MS" pitchFamily="34" charset="-128"/>
+                </a:rPr>
+                <a:t>uid</a:t>
+              </a:r>
+              <a:r>
+                <a:rPr lang="nl-NL" sz="1800" kern="0" dirty="0">
+                  <a:ea typeface="Arial Unicode MS" pitchFamily="34" charset="-128"/>
+                  <a:cs typeface="Arial Unicode MS" pitchFamily="34" charset="-128"/>
+                </a:rPr>
+                <a:t>=1001(app-user) </a:t>
+              </a:r>
+              <a:r>
+                <a:rPr lang="nl-NL" sz="1800" kern="0" dirty="0" err="1">
+                  <a:ea typeface="Arial Unicode MS" pitchFamily="34" charset="-128"/>
+                  <a:cs typeface="Arial Unicode MS" pitchFamily="34" charset="-128"/>
+                </a:rPr>
+                <a:t>gid</a:t>
+              </a:r>
+              <a:r>
+                <a:rPr lang="nl-NL" sz="1800" kern="0" dirty="0">
+                  <a:ea typeface="Arial Unicode MS" pitchFamily="34" charset="-128"/>
+                  <a:cs typeface="Arial Unicode MS" pitchFamily="34" charset="-128"/>
+                </a:rPr>
+                <a:t>=10001(app)</a:t>
+              </a:r>
+            </a:p>
+            <a:p>
+              <a:pPr defTabSz="914400" fontAlgn="base">
+                <a:spcBef>
+                  <a:spcPct val="50000"/>
+                </a:spcBef>
+                <a:spcAft>
+                  <a:spcPct val="0"/>
+                </a:spcAft>
+                <a:buClr>
+                  <a:srgbClr val="F0AB00"/>
+                </a:buClr>
+                <a:buSzPct val="80000"/>
+              </a:pPr>
+              <a:endParaRPr lang="nl-NL" sz="1800" kern="0" dirty="0">
+                <a:ea typeface="Arial Unicode MS" pitchFamily="34" charset="-128"/>
+                <a:cs typeface="Arial Unicode MS" pitchFamily="34" charset="-128"/>
+              </a:endParaRPr>
+            </a:p>
+            <a:p>
+              <a:pPr defTabSz="914400" fontAlgn="base">
+                <a:spcBef>
+                  <a:spcPct val="50000"/>
+                </a:spcBef>
+                <a:spcAft>
+                  <a:spcPct val="0"/>
+                </a:spcAft>
+                <a:buClr>
+                  <a:srgbClr val="F0AB00"/>
+                </a:buClr>
+                <a:buSzPct val="80000"/>
+              </a:pPr>
+              <a:r>
+                <a:rPr lang="nl-NL" sz="1800" kern="0" dirty="0">
+                  <a:ea typeface="Arial Unicode MS" pitchFamily="34" charset="-128"/>
+                  <a:cs typeface="Arial Unicode MS" pitchFamily="34" charset="-128"/>
+                </a:rPr>
+                <a:t># </a:t>
+              </a:r>
+              <a:r>
+                <a:rPr lang="nl-NL" sz="1800" kern="0" dirty="0" err="1">
+                  <a:ea typeface="Arial Unicode MS" pitchFamily="34" charset="-128"/>
+                  <a:cs typeface="Arial Unicode MS" pitchFamily="34" charset="-128"/>
+                </a:rPr>
+                <a:t>touch</a:t>
+              </a:r>
+              <a:r>
+                <a:rPr lang="nl-NL" sz="1800" kern="0" dirty="0">
+                  <a:ea typeface="Arial Unicode MS" pitchFamily="34" charset="-128"/>
+                  <a:cs typeface="Arial Unicode MS" pitchFamily="34" charset="-128"/>
+                </a:rPr>
+                <a:t> /</a:t>
+              </a:r>
+              <a:r>
+                <a:rPr lang="nl-NL" sz="1800" kern="0" dirty="0" err="1">
+                  <a:ea typeface="Arial Unicode MS" pitchFamily="34" charset="-128"/>
+                  <a:cs typeface="Arial Unicode MS" pitchFamily="34" charset="-128"/>
+                </a:rPr>
+                <a:t>hostfs</a:t>
+              </a:r>
+              <a:r>
+                <a:rPr lang="nl-NL" sz="1800" kern="0" dirty="0">
+                  <a:ea typeface="Arial Unicode MS" pitchFamily="34" charset="-128"/>
+                  <a:cs typeface="Arial Unicode MS" pitchFamily="34" charset="-128"/>
+                </a:rPr>
+                <a:t>/test</a:t>
+              </a:r>
+            </a:p>
+            <a:p>
+              <a:pPr defTabSz="914400" fontAlgn="base">
+                <a:spcBef>
+                  <a:spcPct val="50000"/>
+                </a:spcBef>
+                <a:spcAft>
+                  <a:spcPct val="0"/>
+                </a:spcAft>
+                <a:buClr>
+                  <a:srgbClr val="F0AB00"/>
+                </a:buClr>
+                <a:buSzPct val="80000"/>
+              </a:pPr>
+              <a:r>
+                <a:rPr lang="nl-NL" sz="1800" kern="0" dirty="0" err="1">
+                  <a:ea typeface="Arial Unicode MS" pitchFamily="34" charset="-128"/>
+                  <a:cs typeface="Arial Unicode MS" pitchFamily="34" charset="-128"/>
+                </a:rPr>
+                <a:t>Permission</a:t>
+              </a:r>
+              <a:r>
+                <a:rPr lang="nl-NL" sz="1800" kern="0" dirty="0">
+                  <a:ea typeface="Arial Unicode MS" pitchFamily="34" charset="-128"/>
+                  <a:cs typeface="Arial Unicode MS" pitchFamily="34" charset="-128"/>
+                </a:rPr>
+                <a:t> </a:t>
+              </a:r>
+              <a:r>
+                <a:rPr lang="nl-NL" sz="1800" kern="0" dirty="0" err="1">
+                  <a:ea typeface="Arial Unicode MS" pitchFamily="34" charset="-128"/>
+                  <a:cs typeface="Arial Unicode MS" pitchFamily="34" charset="-128"/>
+                </a:rPr>
+                <a:t>denied</a:t>
+              </a:r>
+              <a:r>
+                <a:rPr lang="nl-NL" sz="1800" kern="0" dirty="0">
+                  <a:ea typeface="Arial Unicode MS" pitchFamily="34" charset="-128"/>
+                  <a:cs typeface="Arial Unicode MS" pitchFamily="34" charset="-128"/>
+                </a:rPr>
+                <a:t>.</a:t>
+              </a:r>
+            </a:p>
+          </p:txBody>
+        </p:sp>
+        <p:pic>
+          <p:nvPicPr>
+            <p:cNvPr id="7" name="Picture 6">
+              <a:extLst>
+                <a:ext uri="{FF2B5EF4-FFF2-40B4-BE49-F238E27FC236}">
+                  <a16:creationId xmlns:a16="http://schemas.microsoft.com/office/drawing/2014/main" id="{D935FCAE-5D10-4AB7-A914-78CE7698CC34}"/>
+                </a:ext>
+              </a:extLst>
+            </p:cNvPr>
+            <p:cNvPicPr>
+              <a:picLocks noChangeAspect="1"/>
+            </p:cNvPicPr>
+            <p:nvPr/>
+          </p:nvPicPr>
+          <p:blipFill>
+            <a:blip r:embed="rId3"/>
+            <a:stretch>
+              <a:fillRect/>
+            </a:stretch>
+          </p:blipFill>
+          <p:spPr>
+            <a:xfrm>
+              <a:off x="6332157" y="1919620"/>
+              <a:ext cx="1388484" cy="1039240"/>
+            </a:xfrm>
+            <a:prstGeom prst="rect">
+              <a:avLst/>
+            </a:prstGeom>
+          </p:spPr>
+        </p:pic>
+      </p:grpSp>
+      <p:sp>
+        <p:nvSpPr>
+          <p:cNvPr id="11" name="Speech Bubble: Rectangle 10">
+            <a:extLst>
+              <a:ext uri="{FF2B5EF4-FFF2-40B4-BE49-F238E27FC236}">
+                <a16:creationId xmlns:a16="http://schemas.microsoft.com/office/drawing/2014/main" id="{4F5EF3FC-9009-4B36-841D-7C1FC9B2F8EC}"/>
+              </a:ext>
+            </a:extLst>
+          </p:cNvPr>
+          <p:cNvSpPr/>
+          <p:nvPr/>
+        </p:nvSpPr>
+        <p:spPr bwMode="gray">
+          <a:xfrm>
+            <a:off x="447122" y="1347726"/>
+            <a:ext cx="3303917" cy="1080366"/>
+          </a:xfrm>
+          <a:prstGeom prst="wedgeRectCallout">
+            <a:avLst>
+              <a:gd name="adj1" fmla="val 52129"/>
+              <a:gd name="adj2" fmla="val 153526"/>
+            </a:avLst>
+          </a:prstGeom>
+          <a:ln>
+            <a:headEnd/>
+            <a:tailEnd/>
+          </a:ln>
+        </p:spPr>
+        <p:style>
+          <a:lnRef idx="2">
+            <a:schemeClr val="accent5"/>
+          </a:lnRef>
+          <a:fillRef idx="1">
+            <a:schemeClr val="lt1"/>
+          </a:fillRef>
+          <a:effectRef idx="0">
+            <a:schemeClr val="accent5"/>
+          </a:effectRef>
+          <a:fontRef idx="minor">
+            <a:schemeClr val="dk1"/>
+          </a:fontRef>
+        </p:style>
+        <p:txBody>
+          <a:bodyPr lIns="90000" tIns="72000" rIns="90000" bIns="72000" rtlCol="0" anchor="ctr"/>
+          <a:lstStyle/>
+          <a:p>
+            <a:pPr marR="0" algn="ctr" defTabSz="914400" eaLnBrk="1" fontAlgn="base" latinLnBrk="0" hangingPunct="1">
+              <a:lnSpc>
+                <a:spcPct val="100000"/>
+              </a:lnSpc>
+              <a:spcBef>
+                <a:spcPct val="50000"/>
+              </a:spcBef>
+              <a:spcAft>
+                <a:spcPct val="0"/>
+              </a:spcAft>
+              <a:buClr>
+                <a:srgbClr val="F0AB00"/>
+              </a:buClr>
+              <a:buSzPct val="80000"/>
+              <a:tabLst/>
+            </a:pPr>
+            <a:r>
+              <a:rPr lang="en-US" sz="1800" kern="0" dirty="0">
+                <a:ea typeface="Arial Unicode MS" pitchFamily="34" charset="-128"/>
+                <a:cs typeface="Arial Unicode MS" pitchFamily="34" charset="-128"/>
+              </a:rPr>
+              <a:t>Use a different user within the container to limit access to the host</a:t>
+            </a:r>
+            <a:endParaRPr kumimoji="0" lang="en-US" sz="1800" b="0" i="0" u="none" strike="noStrike" kern="0" cap="none" spc="0" normalizeH="0" baseline="0" noProof="0" dirty="0" err="1">
+              <a:ln>
+                <a:noFill/>
+              </a:ln>
+              <a:effectLst/>
+              <a:uLnTx/>
+              <a:uFillTx/>
+              <a:ea typeface="Arial Unicode MS" pitchFamily="34" charset="-128"/>
+              <a:cs typeface="Arial Unicode MS" pitchFamily="34" charset="-128"/>
+            </a:endParaRPr>
+          </a:p>
+        </p:txBody>
+      </p:sp>
+      <p:pic>
+        <p:nvPicPr>
+          <p:cNvPr id="14" name="Graphic 13" descr="Document">
+            <a:extLst>
+              <a:ext uri="{FF2B5EF4-FFF2-40B4-BE49-F238E27FC236}">
+                <a16:creationId xmlns:a16="http://schemas.microsoft.com/office/drawing/2014/main" id="{D9CA7C90-46C6-4ABB-9D79-A3C22FE1CC76}"/>
+              </a:ext>
+            </a:extLst>
+          </p:cNvPr>
+          <p:cNvPicPr>
+            <a:picLocks noChangeAspect="1"/>
+          </p:cNvPicPr>
+          <p:nvPr/>
+        </p:nvPicPr>
+        <p:blipFill>
+          <a:blip r:embed="rId4">
+            <a:extLst>
+              <a:ext uri="{96DAC541-7B7A-43D3-8B79-37D633B846F1}">
+                <asvg:svgBlip xmlns:asvg="http://schemas.microsoft.com/office/drawing/2016/SVG/main" r:embed="rId5"/>
+              </a:ext>
+            </a:extLst>
+          </a:blip>
+          <a:stretch>
+            <a:fillRect/>
+          </a:stretch>
+        </p:blipFill>
+        <p:spPr>
+          <a:xfrm>
+            <a:off x="8420267" y="4207775"/>
+            <a:ext cx="1289649" cy="1289649"/>
+          </a:xfrm>
+          <a:prstGeom prst="rect">
+            <a:avLst/>
+          </a:prstGeom>
+        </p:spPr>
+      </p:pic>
+      <p:cxnSp>
+        <p:nvCxnSpPr>
+          <p:cNvPr id="16" name="Connector: Elbow 15">
+            <a:extLst>
+              <a:ext uri="{FF2B5EF4-FFF2-40B4-BE49-F238E27FC236}">
+                <a16:creationId xmlns:a16="http://schemas.microsoft.com/office/drawing/2014/main" id="{F299C690-16C6-4F3E-A7C8-FF0693EBD976}"/>
+              </a:ext>
+            </a:extLst>
+          </p:cNvPr>
+          <p:cNvCxnSpPr>
+            <a:cxnSpLocks/>
+          </p:cNvCxnSpPr>
+          <p:nvPr/>
+        </p:nvCxnSpPr>
+        <p:spPr>
+          <a:xfrm>
+            <a:off x="6193766" y="4218802"/>
+            <a:ext cx="2226501" cy="633797"/>
+          </a:xfrm>
+          <a:prstGeom prst="bentConnector3">
+            <a:avLst>
+              <a:gd name="adj1" fmla="val 50000"/>
+            </a:avLst>
+          </a:prstGeom>
+          <a:ln w="57150">
+            <a:solidFill>
+              <a:schemeClr val="bg1">
+                <a:lumMod val="95000"/>
+              </a:schemeClr>
+            </a:solidFill>
+            <a:headEnd type="none" w="med" len="med"/>
+            <a:tailEnd type="triangle"/>
+          </a:ln>
+        </p:spPr>
+        <p:style>
+          <a:lnRef idx="1">
+            <a:schemeClr val="accent1"/>
+          </a:lnRef>
+          <a:fillRef idx="0">
+            <a:schemeClr val="accent1"/>
+          </a:fillRef>
+          <a:effectRef idx="0">
+            <a:schemeClr val="accent1"/>
+          </a:effectRef>
+          <a:fontRef idx="minor">
+            <a:schemeClr val="tx1"/>
+          </a:fontRef>
+        </p:style>
+      </p:cxnSp>
+      <p:sp>
+        <p:nvSpPr>
+          <p:cNvPr id="20" name="Speech Bubble: Rectangle 19">
+            <a:extLst>
+              <a:ext uri="{FF2B5EF4-FFF2-40B4-BE49-F238E27FC236}">
+                <a16:creationId xmlns:a16="http://schemas.microsoft.com/office/drawing/2014/main" id="{1C72EB46-CA27-4D06-B55B-08F2C425897C}"/>
+              </a:ext>
+            </a:extLst>
+          </p:cNvPr>
+          <p:cNvSpPr/>
+          <p:nvPr/>
+        </p:nvSpPr>
+        <p:spPr bwMode="gray">
+          <a:xfrm>
+            <a:off x="8443439" y="1347726"/>
+            <a:ext cx="3303917" cy="1080366"/>
+          </a:xfrm>
+          <a:prstGeom prst="wedgeRectCallout">
+            <a:avLst>
+              <a:gd name="adj1" fmla="val -43693"/>
+              <a:gd name="adj2" fmla="val 205427"/>
+            </a:avLst>
+          </a:prstGeom>
+          <a:ln>
+            <a:headEnd/>
+            <a:tailEnd/>
+          </a:ln>
+        </p:spPr>
+        <p:style>
+          <a:lnRef idx="2">
+            <a:schemeClr val="accent5"/>
+          </a:lnRef>
+          <a:fillRef idx="1">
+            <a:schemeClr val="lt1"/>
+          </a:fillRef>
+          <a:effectRef idx="0">
+            <a:schemeClr val="accent5"/>
+          </a:effectRef>
+          <a:fontRef idx="minor">
+            <a:schemeClr val="dk1"/>
+          </a:fontRef>
+        </p:style>
+        <p:txBody>
+          <a:bodyPr lIns="90000" tIns="72000" rIns="90000" bIns="72000" rtlCol="0" anchor="ctr"/>
+          <a:lstStyle/>
+          <a:p>
+            <a:pPr marR="0" algn="ctr" defTabSz="914400" eaLnBrk="1" fontAlgn="base" latinLnBrk="0" hangingPunct="1">
+              <a:lnSpc>
+                <a:spcPct val="100000"/>
+              </a:lnSpc>
+              <a:spcBef>
+                <a:spcPct val="50000"/>
+              </a:spcBef>
+              <a:spcAft>
+                <a:spcPct val="0"/>
+              </a:spcAft>
+              <a:buClr>
+                <a:srgbClr val="F0AB00"/>
+              </a:buClr>
+              <a:buSzPct val="80000"/>
+              <a:tabLst/>
+            </a:pPr>
+            <a:r>
+              <a:rPr lang="en-US" sz="1800" kern="0" dirty="0">
+                <a:ea typeface="Arial Unicode MS" pitchFamily="34" charset="-128"/>
+                <a:cs typeface="Arial Unicode MS" pitchFamily="34" charset="-128"/>
+              </a:rPr>
+              <a:t>Regular permission checks apply</a:t>
+            </a:r>
+            <a:endParaRPr kumimoji="0" lang="en-US" sz="1800" b="0" i="0" u="none" strike="noStrike" kern="0" cap="none" spc="0" normalizeH="0" baseline="0" noProof="0" dirty="0" err="1">
+              <a:ln>
+                <a:noFill/>
+              </a:ln>
+              <a:effectLst/>
+              <a:uLnTx/>
+              <a:uFillTx/>
+              <a:ea typeface="Arial Unicode MS" pitchFamily="34" charset="-128"/>
+              <a:cs typeface="Arial Unicode MS" pitchFamily="34" charset="-128"/>
+            </a:endParaRPr>
+          </a:p>
+        </p:txBody>
+      </p:sp>
+    </p:spTree>
+    <p:extLst>
+      <p:ext uri="{BB962C8B-B14F-4D97-AF65-F5344CB8AC3E}">
+        <p14:creationId xmlns:p14="http://schemas.microsoft.com/office/powerpoint/2010/main" val="1413607593"/>
+      </p:ext>
+    </p:extLst>
+  </p:cSld>
+  <p:clrMapOvr>
+    <a:masterClrMapping/>
+  </p:clrMapOvr>
+</p:sld>
+</file>
+
+<file path=ppt/slides/slide13.xml><?xml version="1.0" encoding="utf-8"?>
+<p:sld xmlns:a="http://schemas.openxmlformats.org/drawingml/2006/main" xmlns:r="http://schemas.openxmlformats.org/officeDocument/2006/relationships" xmlns:p="http://schemas.openxmlformats.org/presentationml/2006/main">
+  <p:cSld>
+    <p:spTree>
+      <p:nvGrpSpPr>
+        <p:cNvPr id="1" name=""/>
+        <p:cNvGrpSpPr/>
+        <p:nvPr/>
+      </p:nvGrpSpPr>
+      <p:grpSpPr>
+        <a:xfrm>
+          <a:off x="0" y="0"/>
+          <a:ext cx="0" cy="0"/>
+          <a:chOff x="0" y="0"/>
+          <a:chExt cx="0" cy="0"/>
+        </a:xfrm>
+      </p:grpSpPr>
+      <p:sp>
+        <p:nvSpPr>
+          <p:cNvPr id="10" name="Rectangle 9">
+            <a:extLst>
+              <a:ext uri="{FF2B5EF4-FFF2-40B4-BE49-F238E27FC236}">
+                <a16:creationId xmlns:a16="http://schemas.microsoft.com/office/drawing/2014/main" id="{6182DB24-448C-4A97-AAD6-09FD3A8DED89}"/>
+              </a:ext>
+            </a:extLst>
+          </p:cNvPr>
+          <p:cNvSpPr/>
+          <p:nvPr/>
+        </p:nvSpPr>
+        <p:spPr bwMode="gray">
+          <a:xfrm>
+            <a:off x="2254258" y="3636276"/>
+            <a:ext cx="7685962" cy="2432649"/>
+          </a:xfrm>
+          <a:prstGeom prst="rect">
+            <a:avLst/>
+          </a:prstGeom>
+          <a:ln>
+            <a:headEnd/>
+            <a:tailEnd/>
+          </a:ln>
+        </p:spPr>
+        <p:style>
+          <a:lnRef idx="2">
+            <a:schemeClr val="accent2">
+              <a:shade val="50000"/>
+            </a:schemeClr>
+          </a:lnRef>
+          <a:fillRef idx="1">
+            <a:schemeClr val="accent2"/>
+          </a:fillRef>
+          <a:effectRef idx="0">
+            <a:schemeClr val="accent2"/>
+          </a:effectRef>
+          <a:fontRef idx="minor">
+            <a:schemeClr val="lt1"/>
+          </a:fontRef>
+        </p:style>
+        <p:txBody>
+          <a:bodyPr lIns="90000" tIns="72000" rIns="90000" bIns="72000" rtlCol="0" anchor="b"/>
+          <a:lstStyle/>
+          <a:p>
+            <a:r>
+              <a:rPr lang="en-US" sz="1800" dirty="0"/>
+              <a:t>$: </a:t>
+            </a:r>
+            <a:r>
+              <a:rPr lang="en-US" sz="1800" dirty="0" err="1"/>
+              <a:t>ps</a:t>
+            </a:r>
+            <a:r>
+              <a:rPr lang="en-US" sz="1800" dirty="0"/>
+              <a:t> </a:t>
+            </a:r>
+            <a:r>
+              <a:rPr lang="en-US" sz="1800" dirty="0" err="1"/>
+              <a:t>aufx</a:t>
+            </a:r>
+            <a:endParaRPr lang="en-US" sz="1800" dirty="0"/>
+          </a:p>
+          <a:p>
+            <a:r>
+              <a:rPr lang="en-US" sz="1800" dirty="0"/>
+              <a:t>…</a:t>
+            </a:r>
+          </a:p>
+          <a:p>
+            <a:r>
+              <a:rPr lang="en-US" sz="1800" dirty="0"/>
+              <a:t>root      /</a:t>
+            </a:r>
+            <a:r>
+              <a:rPr lang="en-US" sz="1800" dirty="0" err="1"/>
+              <a:t>usr</a:t>
+            </a:r>
+            <a:r>
+              <a:rPr lang="en-US" sz="1800" dirty="0"/>
+              <a:t>/bin/</a:t>
+            </a:r>
+            <a:r>
+              <a:rPr lang="en-US" sz="1800" dirty="0" err="1"/>
+              <a:t>containerd</a:t>
+            </a:r>
+            <a:endParaRPr lang="en-US" sz="1800" dirty="0"/>
+          </a:p>
+          <a:p>
+            <a:r>
+              <a:rPr lang="en-US" sz="1800" dirty="0"/>
+              <a:t>root      \_ </a:t>
+            </a:r>
+            <a:r>
+              <a:rPr lang="en-US" sz="1800" dirty="0" err="1"/>
+              <a:t>containerd</a:t>
+            </a:r>
+            <a:r>
+              <a:rPr lang="en-US" sz="1800" dirty="0"/>
+              <a:t>-shim -namespace </a:t>
+            </a:r>
+            <a:r>
+              <a:rPr lang="en-US" sz="1800" dirty="0" err="1"/>
+              <a:t>moby</a:t>
+            </a:r>
+            <a:endParaRPr lang="en-US" sz="1800" dirty="0"/>
+          </a:p>
+          <a:p>
+            <a:r>
+              <a:rPr lang="en-US" sz="1800" dirty="0">
+                <a:highlight>
+                  <a:srgbClr val="000000"/>
+                </a:highlight>
+              </a:rPr>
+              <a:t>231072</a:t>
+            </a:r>
+            <a:r>
+              <a:rPr lang="en-US" sz="1800" dirty="0"/>
+              <a:t>   \_ /bin/</a:t>
+            </a:r>
+            <a:r>
+              <a:rPr lang="en-US" sz="1800" dirty="0" err="1"/>
+              <a:t>sh</a:t>
+            </a:r>
+            <a:endParaRPr lang="en-US" sz="1800" dirty="0"/>
+          </a:p>
+          <a:p>
+            <a:r>
+              <a:rPr lang="en-US" sz="1800" dirty="0">
+                <a:highlight>
+                  <a:srgbClr val="000000"/>
+                </a:highlight>
+              </a:rPr>
+              <a:t>231072</a:t>
+            </a:r>
+            <a:r>
+              <a:rPr lang="en-US" sz="1800" dirty="0"/>
+              <a:t>      \_ </a:t>
+            </a:r>
+            <a:r>
+              <a:rPr lang="en-US" sz="1800" dirty="0" err="1"/>
+              <a:t>whoami</a:t>
+            </a:r>
+            <a:endParaRPr lang="en-US" sz="1800" dirty="0"/>
+          </a:p>
+        </p:txBody>
+      </p:sp>
+      <p:sp>
+        <p:nvSpPr>
+          <p:cNvPr id="4" name="Title 3">
+            <a:extLst>
+              <a:ext uri="{FF2B5EF4-FFF2-40B4-BE49-F238E27FC236}">
+                <a16:creationId xmlns:a16="http://schemas.microsoft.com/office/drawing/2014/main" id="{E919ED96-B3DB-41D2-8911-BCECE8B5D093}"/>
+              </a:ext>
+            </a:extLst>
+          </p:cNvPr>
+          <p:cNvSpPr>
+            <a:spLocks noGrp="1"/>
+          </p:cNvSpPr>
+          <p:nvPr>
+            <p:ph type="title"/>
+          </p:nvPr>
+        </p:nvSpPr>
+        <p:spPr/>
+        <p:txBody>
+          <a:bodyPr/>
+          <a:lstStyle/>
+          <a:p>
+            <a:r>
+              <a:rPr lang="en-US" dirty="0"/>
+              <a:t>User Namespace: remap</a:t>
+            </a:r>
+          </a:p>
+        </p:txBody>
+      </p:sp>
+      <p:grpSp>
+        <p:nvGrpSpPr>
+          <p:cNvPr id="9" name="Group 8">
+            <a:extLst>
+              <a:ext uri="{FF2B5EF4-FFF2-40B4-BE49-F238E27FC236}">
+                <a16:creationId xmlns:a16="http://schemas.microsoft.com/office/drawing/2014/main" id="{E22300D6-E373-4C62-8F36-D0EA4C619A54}"/>
+              </a:ext>
+            </a:extLst>
+          </p:cNvPr>
+          <p:cNvGrpSpPr/>
+          <p:nvPr/>
+        </p:nvGrpSpPr>
+        <p:grpSpPr>
+          <a:xfrm>
+            <a:off x="4004515" y="1971378"/>
+            <a:ext cx="4185448" cy="2648309"/>
+            <a:chOff x="3535193" y="2104845"/>
+            <a:chExt cx="4185448" cy="2648309"/>
+          </a:xfrm>
+        </p:grpSpPr>
+        <p:sp>
+          <p:nvSpPr>
+            <p:cNvPr id="8" name="Rectangle 7">
+              <a:extLst>
+                <a:ext uri="{FF2B5EF4-FFF2-40B4-BE49-F238E27FC236}">
+                  <a16:creationId xmlns:a16="http://schemas.microsoft.com/office/drawing/2014/main" id="{0FB3DD71-76C7-4B99-AE8A-F0A125E0E65F}"/>
+                </a:ext>
+              </a:extLst>
+            </p:cNvPr>
+            <p:cNvSpPr/>
+            <p:nvPr/>
+          </p:nvSpPr>
+          <p:spPr bwMode="gray">
+            <a:xfrm>
+              <a:off x="3535193" y="2104845"/>
+              <a:ext cx="4185448" cy="2648309"/>
+            </a:xfrm>
+            <a:prstGeom prst="rect">
+              <a:avLst/>
+            </a:prstGeom>
+            <a:ln>
+              <a:headEnd/>
+              <a:tailEnd/>
+            </a:ln>
+          </p:spPr>
+          <p:style>
+            <a:lnRef idx="1">
+              <a:schemeClr val="accent2"/>
+            </a:lnRef>
+            <a:fillRef idx="2">
+              <a:schemeClr val="accent2"/>
+            </a:fillRef>
+            <a:effectRef idx="1">
+              <a:schemeClr val="accent2"/>
+            </a:effectRef>
+            <a:fontRef idx="minor">
+              <a:schemeClr val="dk1"/>
+            </a:fontRef>
+          </p:style>
+          <p:txBody>
+            <a:bodyPr lIns="90000" tIns="72000" rIns="90000" bIns="72000" rtlCol="0" anchor="t"/>
+            <a:lstStyle/>
+            <a:p>
+              <a:pPr defTabSz="914400" fontAlgn="base">
+                <a:spcBef>
+                  <a:spcPct val="50000"/>
+                </a:spcBef>
+                <a:spcAft>
+                  <a:spcPct val="0"/>
+                </a:spcAft>
+                <a:buClr>
+                  <a:srgbClr val="F0AB00"/>
+                </a:buClr>
+                <a:buSzPct val="80000"/>
+              </a:pPr>
+              <a:r>
+                <a:rPr lang="en-US" sz="1800" kern="0" dirty="0">
+                  <a:ea typeface="Arial Unicode MS" pitchFamily="34" charset="-128"/>
+                  <a:cs typeface="Arial Unicode MS" pitchFamily="34" charset="-128"/>
+                </a:rPr>
+                <a:t># </a:t>
+              </a:r>
+              <a:r>
+                <a:rPr lang="en-US" sz="1800" kern="0" dirty="0" err="1">
+                  <a:ea typeface="Arial Unicode MS" pitchFamily="34" charset="-128"/>
+                  <a:cs typeface="Arial Unicode MS" pitchFamily="34" charset="-128"/>
+                </a:rPr>
+                <a:t>whoami</a:t>
+              </a:r>
+              <a:endParaRPr lang="en-US" sz="1800" kern="0" dirty="0">
+                <a:ea typeface="Arial Unicode MS" pitchFamily="34" charset="-128"/>
+                <a:cs typeface="Arial Unicode MS" pitchFamily="34" charset="-128"/>
+              </a:endParaRPr>
+            </a:p>
+            <a:p>
+              <a:pPr defTabSz="914400" fontAlgn="base">
+                <a:spcBef>
+                  <a:spcPct val="50000"/>
+                </a:spcBef>
+                <a:spcAft>
+                  <a:spcPct val="0"/>
+                </a:spcAft>
+                <a:buClr>
+                  <a:srgbClr val="F0AB00"/>
+                </a:buClr>
+                <a:buSzPct val="80000"/>
+              </a:pPr>
+              <a:r>
+                <a:rPr lang="en-US" sz="1800" kern="0" dirty="0">
+                  <a:ea typeface="Arial Unicode MS" pitchFamily="34" charset="-128"/>
+                  <a:cs typeface="Arial Unicode MS" pitchFamily="34" charset="-128"/>
+                </a:rPr>
+                <a:t>&gt;&gt; root</a:t>
+              </a:r>
+            </a:p>
+            <a:p>
+              <a:pPr defTabSz="914400" fontAlgn="base">
+                <a:spcBef>
+                  <a:spcPct val="50000"/>
+                </a:spcBef>
+                <a:spcAft>
+                  <a:spcPct val="0"/>
+                </a:spcAft>
+                <a:buClr>
+                  <a:srgbClr val="F0AB00"/>
+                </a:buClr>
+                <a:buSzPct val="80000"/>
+              </a:pPr>
+              <a:r>
+                <a:rPr lang="en-US" sz="1800" kern="0" dirty="0">
+                  <a:ea typeface="Arial Unicode MS" pitchFamily="34" charset="-128"/>
+                  <a:cs typeface="Arial Unicode MS" pitchFamily="34" charset="-128"/>
+                </a:rPr>
+                <a:t># id root</a:t>
+              </a:r>
+            </a:p>
+            <a:p>
+              <a:pPr defTabSz="914400" fontAlgn="base">
+                <a:spcBef>
+                  <a:spcPct val="50000"/>
+                </a:spcBef>
+                <a:spcAft>
+                  <a:spcPct val="0"/>
+                </a:spcAft>
+                <a:buClr>
+                  <a:srgbClr val="F0AB00"/>
+                </a:buClr>
+                <a:buSzPct val="80000"/>
+              </a:pPr>
+              <a:r>
+                <a:rPr lang="en-US" sz="1800" kern="0" dirty="0">
+                  <a:ea typeface="Arial Unicode MS" pitchFamily="34" charset="-128"/>
+                  <a:cs typeface="Arial Unicode MS" pitchFamily="34" charset="-128"/>
+                </a:rPr>
+                <a:t>&gt;&gt; </a:t>
+              </a:r>
+              <a:r>
+                <a:rPr lang="nl-NL" sz="1800" kern="0" dirty="0" err="1">
+                  <a:ea typeface="Arial Unicode MS" pitchFamily="34" charset="-128"/>
+                  <a:cs typeface="Arial Unicode MS" pitchFamily="34" charset="-128"/>
+                </a:rPr>
+                <a:t>uid</a:t>
+              </a:r>
+              <a:r>
+                <a:rPr lang="nl-NL" sz="1800" kern="0" dirty="0">
+                  <a:ea typeface="Arial Unicode MS" pitchFamily="34" charset="-128"/>
+                  <a:cs typeface="Arial Unicode MS" pitchFamily="34" charset="-128"/>
+                </a:rPr>
+                <a:t>=0(root) </a:t>
+              </a:r>
+              <a:r>
+                <a:rPr lang="nl-NL" sz="1800" kern="0" dirty="0" err="1">
+                  <a:ea typeface="Arial Unicode MS" pitchFamily="34" charset="-128"/>
+                  <a:cs typeface="Arial Unicode MS" pitchFamily="34" charset="-128"/>
+                </a:rPr>
+                <a:t>gid</a:t>
+              </a:r>
+              <a:r>
+                <a:rPr lang="nl-NL" sz="1800" kern="0" dirty="0">
+                  <a:ea typeface="Arial Unicode MS" pitchFamily="34" charset="-128"/>
+                  <a:cs typeface="Arial Unicode MS" pitchFamily="34" charset="-128"/>
+                </a:rPr>
+                <a:t>=0(root)</a:t>
+              </a:r>
+            </a:p>
+            <a:p>
+              <a:pPr defTabSz="914400" fontAlgn="base">
+                <a:spcBef>
+                  <a:spcPct val="50000"/>
+                </a:spcBef>
+                <a:spcAft>
+                  <a:spcPct val="0"/>
+                </a:spcAft>
+                <a:buClr>
+                  <a:srgbClr val="F0AB00"/>
+                </a:buClr>
+                <a:buSzPct val="80000"/>
+              </a:pPr>
+              <a:endParaRPr lang="nl-NL" sz="1800" kern="0" dirty="0">
+                <a:ea typeface="Arial Unicode MS" pitchFamily="34" charset="-128"/>
+                <a:cs typeface="Arial Unicode MS" pitchFamily="34" charset="-128"/>
+              </a:endParaRPr>
+            </a:p>
+            <a:p>
+              <a:pPr defTabSz="914400" fontAlgn="base">
+                <a:spcBef>
+                  <a:spcPct val="50000"/>
+                </a:spcBef>
+                <a:spcAft>
+                  <a:spcPct val="0"/>
+                </a:spcAft>
+                <a:buClr>
+                  <a:srgbClr val="F0AB00"/>
+                </a:buClr>
+                <a:buSzPct val="80000"/>
+              </a:pPr>
+              <a:r>
+                <a:rPr lang="nl-NL" sz="1800" kern="0" dirty="0">
+                  <a:ea typeface="Arial Unicode MS" pitchFamily="34" charset="-128"/>
+                  <a:cs typeface="Arial Unicode MS" pitchFamily="34" charset="-128"/>
+                </a:rPr>
+                <a:t># </a:t>
+              </a:r>
+              <a:r>
+                <a:rPr lang="nl-NL" sz="1800" kern="0" dirty="0" err="1">
+                  <a:ea typeface="Arial Unicode MS" pitchFamily="34" charset="-128"/>
+                  <a:cs typeface="Arial Unicode MS" pitchFamily="34" charset="-128"/>
+                </a:rPr>
+                <a:t>touch</a:t>
+              </a:r>
+              <a:r>
+                <a:rPr lang="nl-NL" sz="1800" kern="0" dirty="0">
+                  <a:ea typeface="Arial Unicode MS" pitchFamily="34" charset="-128"/>
+                  <a:cs typeface="Arial Unicode MS" pitchFamily="34" charset="-128"/>
+                </a:rPr>
+                <a:t> /</a:t>
+              </a:r>
+              <a:r>
+                <a:rPr lang="nl-NL" sz="1800" kern="0" dirty="0" err="1">
+                  <a:ea typeface="Arial Unicode MS" pitchFamily="34" charset="-128"/>
+                  <a:cs typeface="Arial Unicode MS" pitchFamily="34" charset="-128"/>
+                </a:rPr>
+                <a:t>hostfs</a:t>
+              </a:r>
+              <a:r>
+                <a:rPr lang="nl-NL" sz="1800" kern="0" dirty="0">
+                  <a:ea typeface="Arial Unicode MS" pitchFamily="34" charset="-128"/>
+                  <a:cs typeface="Arial Unicode MS" pitchFamily="34" charset="-128"/>
+                </a:rPr>
+                <a:t>/test</a:t>
+              </a:r>
+            </a:p>
+          </p:txBody>
+        </p:sp>
+        <p:pic>
+          <p:nvPicPr>
+            <p:cNvPr id="7" name="Picture 6">
+              <a:extLst>
+                <a:ext uri="{FF2B5EF4-FFF2-40B4-BE49-F238E27FC236}">
+                  <a16:creationId xmlns:a16="http://schemas.microsoft.com/office/drawing/2014/main" id="{D935FCAE-5D10-4AB7-A914-78CE7698CC34}"/>
+                </a:ext>
+              </a:extLst>
+            </p:cNvPr>
+            <p:cNvPicPr>
+              <a:picLocks noChangeAspect="1"/>
+            </p:cNvPicPr>
+            <p:nvPr/>
+          </p:nvPicPr>
+          <p:blipFill>
+            <a:blip r:embed="rId3"/>
+            <a:stretch>
+              <a:fillRect/>
+            </a:stretch>
+          </p:blipFill>
+          <p:spPr>
+            <a:xfrm>
+              <a:off x="6332157" y="2104845"/>
+              <a:ext cx="1388484" cy="1039240"/>
+            </a:xfrm>
+            <a:prstGeom prst="rect">
+              <a:avLst/>
+            </a:prstGeom>
+          </p:spPr>
+        </p:pic>
+      </p:grpSp>
+      <p:sp>
+        <p:nvSpPr>
+          <p:cNvPr id="11" name="Speech Bubble: Rectangle 10">
+            <a:extLst>
+              <a:ext uri="{FF2B5EF4-FFF2-40B4-BE49-F238E27FC236}">
+                <a16:creationId xmlns:a16="http://schemas.microsoft.com/office/drawing/2014/main" id="{4F5EF3FC-9009-4B36-841D-7C1FC9B2F8EC}"/>
+              </a:ext>
+            </a:extLst>
+          </p:cNvPr>
+          <p:cNvSpPr/>
+          <p:nvPr/>
+        </p:nvSpPr>
+        <p:spPr bwMode="gray">
+          <a:xfrm>
+            <a:off x="349109" y="1498990"/>
+            <a:ext cx="3303917" cy="1080366"/>
+          </a:xfrm>
+          <a:prstGeom prst="wedgeRectCallout">
+            <a:avLst>
+              <a:gd name="adj1" fmla="val 52129"/>
+              <a:gd name="adj2" fmla="val 153526"/>
+            </a:avLst>
+          </a:prstGeom>
+          <a:ln>
+            <a:headEnd/>
+            <a:tailEnd/>
+          </a:ln>
+        </p:spPr>
+        <p:style>
+          <a:lnRef idx="2">
+            <a:schemeClr val="accent5"/>
+          </a:lnRef>
+          <a:fillRef idx="1">
+            <a:schemeClr val="lt1"/>
+          </a:fillRef>
+          <a:effectRef idx="0">
+            <a:schemeClr val="accent5"/>
+          </a:effectRef>
+          <a:fontRef idx="minor">
+            <a:schemeClr val="dk1"/>
+          </a:fontRef>
+        </p:style>
+        <p:txBody>
+          <a:bodyPr lIns="90000" tIns="72000" rIns="90000" bIns="72000" rtlCol="0" anchor="ctr"/>
+          <a:lstStyle/>
+          <a:p>
+            <a:pPr marR="0" algn="ctr" defTabSz="914400" eaLnBrk="1" fontAlgn="base" latinLnBrk="0" hangingPunct="1">
+              <a:lnSpc>
+                <a:spcPct val="100000"/>
+              </a:lnSpc>
+              <a:spcBef>
+                <a:spcPct val="50000"/>
+              </a:spcBef>
+              <a:spcAft>
+                <a:spcPct val="0"/>
+              </a:spcAft>
+              <a:buClr>
+                <a:srgbClr val="F0AB00"/>
+              </a:buClr>
+              <a:buSzPct val="80000"/>
+              <a:tabLst/>
+            </a:pPr>
+            <a:r>
+              <a:rPr lang="en-US" sz="1800" kern="0" dirty="0">
+                <a:ea typeface="Arial Unicode MS" pitchFamily="34" charset="-128"/>
+                <a:cs typeface="Arial Unicode MS" pitchFamily="34" charset="-128"/>
+              </a:rPr>
+              <a:t>user “root” within the container is mapped to a different UID</a:t>
+            </a:r>
+            <a:endParaRPr kumimoji="0" lang="en-US" sz="1800" b="0" i="0" u="none" strike="noStrike" kern="0" cap="none" spc="0" normalizeH="0" baseline="0" noProof="0" dirty="0" err="1">
+              <a:ln>
+                <a:noFill/>
+              </a:ln>
+              <a:effectLst/>
+              <a:uLnTx/>
+              <a:uFillTx/>
+              <a:ea typeface="Arial Unicode MS" pitchFamily="34" charset="-128"/>
+              <a:cs typeface="Arial Unicode MS" pitchFamily="34" charset="-128"/>
+            </a:endParaRPr>
+          </a:p>
+        </p:txBody>
+      </p:sp>
+      <p:sp>
+        <p:nvSpPr>
+          <p:cNvPr id="15" name="Speech Bubble: Rectangle 14">
+            <a:extLst>
+              <a:ext uri="{FF2B5EF4-FFF2-40B4-BE49-F238E27FC236}">
+                <a16:creationId xmlns:a16="http://schemas.microsoft.com/office/drawing/2014/main" id="{9CD48F09-1AA1-40C9-B94D-76DFC9C1EDCB}"/>
+              </a:ext>
+            </a:extLst>
+          </p:cNvPr>
+          <p:cNvSpPr/>
+          <p:nvPr/>
+        </p:nvSpPr>
+        <p:spPr bwMode="gray">
+          <a:xfrm>
+            <a:off x="8636218" y="1499048"/>
+            <a:ext cx="3303917" cy="1080366"/>
+          </a:xfrm>
+          <a:prstGeom prst="wedgeRectCallout">
+            <a:avLst>
+              <a:gd name="adj1" fmla="val -55965"/>
+              <a:gd name="adj2" fmla="val 103222"/>
+            </a:avLst>
+          </a:prstGeom>
+          <a:ln>
+            <a:headEnd/>
+            <a:tailEnd/>
+          </a:ln>
+        </p:spPr>
+        <p:style>
+          <a:lnRef idx="2">
+            <a:schemeClr val="accent5"/>
+          </a:lnRef>
+          <a:fillRef idx="1">
+            <a:schemeClr val="lt1"/>
+          </a:fillRef>
+          <a:effectRef idx="0">
+            <a:schemeClr val="accent5"/>
+          </a:effectRef>
+          <a:fontRef idx="minor">
+            <a:schemeClr val="dk1"/>
+          </a:fontRef>
+        </p:style>
+        <p:txBody>
+          <a:bodyPr lIns="90000" tIns="72000" rIns="90000" bIns="72000" rtlCol="0" anchor="ctr"/>
+          <a:lstStyle/>
+          <a:p>
+            <a:pPr marR="0" algn="ctr" defTabSz="914400" eaLnBrk="1" fontAlgn="base" latinLnBrk="0" hangingPunct="1">
+              <a:lnSpc>
+                <a:spcPct val="100000"/>
+              </a:lnSpc>
+              <a:spcBef>
+                <a:spcPct val="50000"/>
+              </a:spcBef>
+              <a:spcAft>
+                <a:spcPct val="0"/>
+              </a:spcAft>
+              <a:buClr>
+                <a:srgbClr val="F0AB00"/>
+              </a:buClr>
+              <a:buSzPct val="80000"/>
+              <a:tabLst/>
+            </a:pPr>
+            <a:r>
+              <a:rPr lang="en-US" sz="1800" kern="0" dirty="0">
+                <a:ea typeface="Arial Unicode MS" pitchFamily="34" charset="-128"/>
+                <a:cs typeface="Arial Unicode MS" pitchFamily="34" charset="-128"/>
+              </a:rPr>
+              <a:t>Docker can be configured to automatically remap user &amp; groups</a:t>
+            </a:r>
+            <a:endParaRPr kumimoji="0" lang="en-US" sz="1800" b="0" i="0" u="none" strike="noStrike" kern="0" cap="none" spc="0" normalizeH="0" baseline="0" noProof="0" dirty="0" err="1">
+              <a:ln>
+                <a:noFill/>
+              </a:ln>
+              <a:effectLst/>
+              <a:uLnTx/>
+              <a:uFillTx/>
+              <a:ea typeface="Arial Unicode MS" pitchFamily="34" charset="-128"/>
+              <a:cs typeface="Arial Unicode MS" pitchFamily="34" charset="-128"/>
+            </a:endParaRPr>
+          </a:p>
+        </p:txBody>
+      </p:sp>
+    </p:spTree>
+    <p:extLst>
+      <p:ext uri="{BB962C8B-B14F-4D97-AF65-F5344CB8AC3E}">
+        <p14:creationId xmlns:p14="http://schemas.microsoft.com/office/powerpoint/2010/main" val="1511035263"/>
+      </p:ext>
+    </p:extLst>
+  </p:cSld>
+  <p:clrMapOvr>
+    <a:masterClrMapping/>
+  </p:clrMapOvr>
+</p:sld>
+</file>
+
+<file path=ppt/slides/slide14.xml><?xml version="1.0" encoding="utf-8"?>
+<p:sld xmlns:a="http://schemas.openxmlformats.org/drawingml/2006/main" xmlns:r="http://schemas.openxmlformats.org/officeDocument/2006/relationships" xmlns:p="http://schemas.openxmlformats.org/presentationml/2006/main">
+  <p:cSld>
+    <p:spTree>
+      <p:nvGrpSpPr>
+        <p:cNvPr id="1" name=""/>
+        <p:cNvGrpSpPr/>
+        <p:nvPr/>
+      </p:nvGrpSpPr>
+      <p:grpSpPr>
+        <a:xfrm>
+          <a:off x="0" y="0"/>
+          <a:ext cx="0" cy="0"/>
+          <a:chOff x="0" y="0"/>
+          <a:chExt cx="0" cy="0"/>
+        </a:xfrm>
+      </p:grpSpPr>
+      <p:sp>
+        <p:nvSpPr>
           <p:cNvPr id="3" name="Title 2">
             <a:extLst>
               <a:ext uri="{FF2B5EF4-FFF2-40B4-BE49-F238E27FC236}">
@@ -8756,7 +11872,7 @@
 </p:sld>
 </file>
 
-<file path=ppt/slides/slide11.xml><?xml version="1.0" encoding="utf-8"?>
+<file path=ppt/slides/slide15.xml><?xml version="1.0" encoding="utf-8"?>
 <p:sld xmlns:a="http://schemas.openxmlformats.org/drawingml/2006/main" xmlns:r="http://schemas.openxmlformats.org/officeDocument/2006/relationships" xmlns:p="http://schemas.openxmlformats.org/presentationml/2006/main">
   <p:cSld>
     <p:spTree>
@@ -8796,7 +11912,7 @@
           <a:p>
             <a:r>
               <a:rPr lang="en-US" dirty="0"/>
-              <a:t>Exercise #4  &amp; #5 – </a:t>
+              <a:t>Exercise #3  &amp; #4 – </a:t>
             </a:r>
             <a:r>
               <a:rPr lang="en-US" dirty="0" err="1"/>
@@ -8849,7 +11965,7 @@
 </p:sld>
 </file>
 
-<file path=ppt/slides/slide12.xml><?xml version="1.0" encoding="utf-8"?>
+<file path=ppt/slides/slide16.xml><?xml version="1.0" encoding="utf-8"?>
 <p:sld xmlns:a="http://schemas.openxmlformats.org/drawingml/2006/main" xmlns:r="http://schemas.openxmlformats.org/officeDocument/2006/relationships" xmlns:p="http://schemas.openxmlformats.org/presentationml/2006/main" show="0">
   <p:cSld>
     <p:spTree>
